--- a/Лекции/ИТиП лек 3 (лр 3, практическая 2).pptx
+++ b/Лекции/ИТиП лек 3 (лр 3, практическая 2).pptx
@@ -3819,7 +3819,7 @@
           <p:cNvPr id="9" name="Номер слайда 3">
             <a:extLst>
               <a:ext uri="{FF2B5EF4-FFF2-40B4-BE49-F238E27FC236}">
-                <a16:creationId xmlns:a16="http://schemas.microsoft.com/office/drawing/2014/main" xmlns="" id="{3DF48714-7FE4-4364-BF9D-28B9C9E2979D}"/>
+                <a16:creationId xmlns="" xmlns:a16="http://schemas.microsoft.com/office/drawing/2014/main" id="{3DF48714-7FE4-4364-BF9D-28B9C9E2979D}"/>
               </a:ext>
             </a:extLst>
           </p:cNvPr>
@@ -4028,7 +4028,7 @@
           <p:cNvPr id="10" name="Номер слайда 3">
             <a:extLst>
               <a:ext uri="{FF2B5EF4-FFF2-40B4-BE49-F238E27FC236}">
-                <a16:creationId xmlns:a16="http://schemas.microsoft.com/office/drawing/2014/main" xmlns="" id="{3DF48714-7FE4-4364-BF9D-28B9C9E2979D}"/>
+                <a16:creationId xmlns="" xmlns:a16="http://schemas.microsoft.com/office/drawing/2014/main" id="{3DF48714-7FE4-4364-BF9D-28B9C9E2979D}"/>
               </a:ext>
             </a:extLst>
           </p:cNvPr>
@@ -4247,7 +4247,7 @@
           <p:cNvPr id="9" name="Номер слайда 3">
             <a:extLst>
               <a:ext uri="{FF2B5EF4-FFF2-40B4-BE49-F238E27FC236}">
-                <a16:creationId xmlns:a16="http://schemas.microsoft.com/office/drawing/2014/main" xmlns="" id="{3DF48714-7FE4-4364-BF9D-28B9C9E2979D}"/>
+                <a16:creationId xmlns="" xmlns:a16="http://schemas.microsoft.com/office/drawing/2014/main" id="{3DF48714-7FE4-4364-BF9D-28B9C9E2979D}"/>
               </a:ext>
             </a:extLst>
           </p:cNvPr>
@@ -4377,7 +4377,7 @@
           <p:cNvPr id="7" name="Номер слайда 3">
             <a:extLst>
               <a:ext uri="{FF2B5EF4-FFF2-40B4-BE49-F238E27FC236}">
-                <a16:creationId xmlns:a16="http://schemas.microsoft.com/office/drawing/2014/main" xmlns="" id="{3DF48714-7FE4-4364-BF9D-28B9C9E2979D}"/>
+                <a16:creationId xmlns="" xmlns:a16="http://schemas.microsoft.com/office/drawing/2014/main" id="{3DF48714-7FE4-4364-BF9D-28B9C9E2979D}"/>
               </a:ext>
             </a:extLst>
           </p:cNvPr>
@@ -4586,7 +4586,7 @@
           <p:cNvPr id="9" name="Номер слайда 3">
             <a:extLst>
               <a:ext uri="{FF2B5EF4-FFF2-40B4-BE49-F238E27FC236}">
-                <a16:creationId xmlns:a16="http://schemas.microsoft.com/office/drawing/2014/main" xmlns="" id="{3DF48714-7FE4-4364-BF9D-28B9C9E2979D}"/>
+                <a16:creationId xmlns="" xmlns:a16="http://schemas.microsoft.com/office/drawing/2014/main" id="{3DF48714-7FE4-4364-BF9D-28B9C9E2979D}"/>
               </a:ext>
             </a:extLst>
           </p:cNvPr>
@@ -4871,7 +4871,7 @@
           <p:cNvPr id="9" name="Номер слайда 3">
             <a:extLst>
               <a:ext uri="{FF2B5EF4-FFF2-40B4-BE49-F238E27FC236}">
-                <a16:creationId xmlns:a16="http://schemas.microsoft.com/office/drawing/2014/main" xmlns="" id="{3DF48714-7FE4-4364-BF9D-28B9C9E2979D}"/>
+                <a16:creationId xmlns="" xmlns:a16="http://schemas.microsoft.com/office/drawing/2014/main" id="{3DF48714-7FE4-4364-BF9D-28B9C9E2979D}"/>
               </a:ext>
             </a:extLst>
           </p:cNvPr>
@@ -5142,7 +5142,7 @@
           <p:cNvPr id="10" name="Номер слайда 3">
             <a:extLst>
               <a:ext uri="{FF2B5EF4-FFF2-40B4-BE49-F238E27FC236}">
-                <a16:creationId xmlns:a16="http://schemas.microsoft.com/office/drawing/2014/main" xmlns="" id="{3DF48714-7FE4-4364-BF9D-28B9C9E2979D}"/>
+                <a16:creationId xmlns="" xmlns:a16="http://schemas.microsoft.com/office/drawing/2014/main" id="{3DF48714-7FE4-4364-BF9D-28B9C9E2979D}"/>
               </a:ext>
             </a:extLst>
           </p:cNvPr>
@@ -5548,7 +5548,7 @@
           <p:cNvPr id="12" name="Номер слайда 3">
             <a:extLst>
               <a:ext uri="{FF2B5EF4-FFF2-40B4-BE49-F238E27FC236}">
-                <a16:creationId xmlns:a16="http://schemas.microsoft.com/office/drawing/2014/main" xmlns="" id="{3DF48714-7FE4-4364-BF9D-28B9C9E2979D}"/>
+                <a16:creationId xmlns="" xmlns:a16="http://schemas.microsoft.com/office/drawing/2014/main" id="{3DF48714-7FE4-4364-BF9D-28B9C9E2979D}"/>
               </a:ext>
             </a:extLst>
           </p:cNvPr>
@@ -5705,7 +5705,7 @@
           <p:cNvPr id="8" name="Номер слайда 3">
             <a:extLst>
               <a:ext uri="{FF2B5EF4-FFF2-40B4-BE49-F238E27FC236}">
-                <a16:creationId xmlns:a16="http://schemas.microsoft.com/office/drawing/2014/main" xmlns="" id="{3DF48714-7FE4-4364-BF9D-28B9C9E2979D}"/>
+                <a16:creationId xmlns="" xmlns:a16="http://schemas.microsoft.com/office/drawing/2014/main" id="{3DF48714-7FE4-4364-BF9D-28B9C9E2979D}"/>
               </a:ext>
             </a:extLst>
           </p:cNvPr>
@@ -5842,7 +5842,7 @@
           <p:cNvPr id="7" name="Номер слайда 3">
             <a:extLst>
               <a:ext uri="{FF2B5EF4-FFF2-40B4-BE49-F238E27FC236}">
-                <a16:creationId xmlns:a16="http://schemas.microsoft.com/office/drawing/2014/main" xmlns="" id="{3DF48714-7FE4-4364-BF9D-28B9C9E2979D}"/>
+                <a16:creationId xmlns="" xmlns:a16="http://schemas.microsoft.com/office/drawing/2014/main" id="{3DF48714-7FE4-4364-BF9D-28B9C9E2979D}"/>
               </a:ext>
             </a:extLst>
           </p:cNvPr>
@@ -6161,7 +6161,7 @@
           <p:cNvPr id="10" name="Номер слайда 3">
             <a:extLst>
               <a:ext uri="{FF2B5EF4-FFF2-40B4-BE49-F238E27FC236}">
-                <a16:creationId xmlns:a16="http://schemas.microsoft.com/office/drawing/2014/main" xmlns="" id="{3DF48714-7FE4-4364-BF9D-28B9C9E2979D}"/>
+                <a16:creationId xmlns="" xmlns:a16="http://schemas.microsoft.com/office/drawing/2014/main" id="{3DF48714-7FE4-4364-BF9D-28B9C9E2979D}"/>
               </a:ext>
             </a:extLst>
           </p:cNvPr>
@@ -6457,7 +6457,7 @@
           <p:cNvPr id="10" name="Номер слайда 3">
             <a:extLst>
               <a:ext uri="{FF2B5EF4-FFF2-40B4-BE49-F238E27FC236}">
-                <a16:creationId xmlns:a16="http://schemas.microsoft.com/office/drawing/2014/main" xmlns="" id="{3DF48714-7FE4-4364-BF9D-28B9C9E2979D}"/>
+                <a16:creationId xmlns="" xmlns:a16="http://schemas.microsoft.com/office/drawing/2014/main" id="{3DF48714-7FE4-4364-BF9D-28B9C9E2979D}"/>
               </a:ext>
             </a:extLst>
           </p:cNvPr>
@@ -6730,7 +6730,7 @@
           <p:cNvPr id="9" name="Номер слайда 3">
             <a:extLst>
               <a:ext uri="{FF2B5EF4-FFF2-40B4-BE49-F238E27FC236}">
-                <a16:creationId xmlns:a16="http://schemas.microsoft.com/office/drawing/2014/main" xmlns="" id="{3DF48714-7FE4-4364-BF9D-28B9C9E2979D}"/>
+                <a16:creationId xmlns="" xmlns:a16="http://schemas.microsoft.com/office/drawing/2014/main" id="{3DF48714-7FE4-4364-BF9D-28B9C9E2979D}"/>
               </a:ext>
             </a:extLst>
           </p:cNvPr>
@@ -7192,7 +7192,7 @@
           <p:cNvPr id="17" name="Заголовок 16">
             <a:extLst>
               <a:ext uri="{FF2B5EF4-FFF2-40B4-BE49-F238E27FC236}">
-                <a16:creationId xmlns:a16="http://schemas.microsoft.com/office/drawing/2014/main" xmlns="" id="{D630362D-1F09-46B4-9DE4-AEA483AC82FD}"/>
+                <a16:creationId xmlns="" xmlns:a16="http://schemas.microsoft.com/office/drawing/2014/main" id="{D630362D-1F09-46B4-9DE4-AEA483AC82FD}"/>
               </a:ext>
             </a:extLst>
           </p:cNvPr>
@@ -7384,7 +7384,7 @@
           <p:cNvPr id="12" name="TextBox 11">
             <a:extLst>
               <a:ext uri="{FF2B5EF4-FFF2-40B4-BE49-F238E27FC236}">
-                <a16:creationId xmlns:a16="http://schemas.microsoft.com/office/drawing/2014/main" xmlns="" id="{F7B00361-5492-4290-B470-295172C16526}"/>
+                <a16:creationId xmlns="" xmlns:a16="http://schemas.microsoft.com/office/drawing/2014/main" id="{F7B00361-5492-4290-B470-295172C16526}"/>
               </a:ext>
             </a:extLst>
           </p:cNvPr>
@@ -7589,7 +7589,7 @@
           <p:cNvPr id="9" name="TextBox 8">
             <a:extLst>
               <a:ext uri="{FF2B5EF4-FFF2-40B4-BE49-F238E27FC236}">
-                <a16:creationId xmlns:a16="http://schemas.microsoft.com/office/drawing/2014/main" xmlns="" id="{99DF0FE0-DB9D-4180-8370-CD26FB46DF57}"/>
+                <a16:creationId xmlns="" xmlns:a16="http://schemas.microsoft.com/office/drawing/2014/main" id="{99DF0FE0-DB9D-4180-8370-CD26FB46DF57}"/>
               </a:ext>
             </a:extLst>
           </p:cNvPr>
@@ -8108,7 +8108,7 @@
           <p:cNvPr id="19" name="TextBox 18">
             <a:extLst>
               <a:ext uri="{FF2B5EF4-FFF2-40B4-BE49-F238E27FC236}">
-                <a16:creationId xmlns:a16="http://schemas.microsoft.com/office/drawing/2014/main" xmlns="" id="{30D2C149-B2EB-4606-9635-BF0DB8DE257D}"/>
+                <a16:creationId xmlns="" xmlns:a16="http://schemas.microsoft.com/office/drawing/2014/main" id="{30D2C149-B2EB-4606-9635-BF0DB8DE257D}"/>
               </a:ext>
             </a:extLst>
           </p:cNvPr>
@@ -8684,7 +8684,7 @@
           <p:cNvPr id="6" name="Прямоугольник 5">
             <a:extLst>
               <a:ext uri="{FF2B5EF4-FFF2-40B4-BE49-F238E27FC236}">
-                <a16:creationId xmlns:a16="http://schemas.microsoft.com/office/drawing/2014/main" xmlns="" id="{D29D7713-F574-4AEF-977E-4D69A26E9D1A}"/>
+                <a16:creationId xmlns="" xmlns:a16="http://schemas.microsoft.com/office/drawing/2014/main" id="{D29D7713-F574-4AEF-977E-4D69A26E9D1A}"/>
               </a:ext>
             </a:extLst>
           </p:cNvPr>
@@ -8770,7 +8770,7 @@
           <p:cNvPr id="8" name="TextBox 7">
             <a:extLst>
               <a:ext uri="{FF2B5EF4-FFF2-40B4-BE49-F238E27FC236}">
-                <a16:creationId xmlns:a16="http://schemas.microsoft.com/office/drawing/2014/main" xmlns="" id="{0E3553D2-4CC5-4AF8-9624-0BE47C1FBA8F}"/>
+                <a16:creationId xmlns="" xmlns:a16="http://schemas.microsoft.com/office/drawing/2014/main" id="{0E3553D2-4CC5-4AF8-9624-0BE47C1FBA8F}"/>
               </a:ext>
             </a:extLst>
           </p:cNvPr>
@@ -9092,7 +9092,7 @@
           <p:cNvPr id="6" name="Прямоугольник 5">
             <a:extLst>
               <a:ext uri="{FF2B5EF4-FFF2-40B4-BE49-F238E27FC236}">
-                <a16:creationId xmlns:a16="http://schemas.microsoft.com/office/drawing/2014/main" xmlns="" id="{D29D7713-F574-4AEF-977E-4D69A26E9D1A}"/>
+                <a16:creationId xmlns="" xmlns:a16="http://schemas.microsoft.com/office/drawing/2014/main" id="{D29D7713-F574-4AEF-977E-4D69A26E9D1A}"/>
               </a:ext>
             </a:extLst>
           </p:cNvPr>
@@ -10336,7 +10336,7 @@
           <p:cNvPr id="6" name="Прямоугольник 5">
             <a:extLst>
               <a:ext uri="{FF2B5EF4-FFF2-40B4-BE49-F238E27FC236}">
-                <a16:creationId xmlns:a16="http://schemas.microsoft.com/office/drawing/2014/main" xmlns="" id="{D29D7713-F574-4AEF-977E-4D69A26E9D1A}"/>
+                <a16:creationId xmlns="" xmlns:a16="http://schemas.microsoft.com/office/drawing/2014/main" id="{D29D7713-F574-4AEF-977E-4D69A26E9D1A}"/>
               </a:ext>
             </a:extLst>
           </p:cNvPr>
@@ -11599,7 +11599,7 @@
           <p:cNvPr id="6" name="Прямоугольник 5">
             <a:extLst>
               <a:ext uri="{FF2B5EF4-FFF2-40B4-BE49-F238E27FC236}">
-                <a16:creationId xmlns:a16="http://schemas.microsoft.com/office/drawing/2014/main" xmlns="" id="{D29D7713-F574-4AEF-977E-4D69A26E9D1A}"/>
+                <a16:creationId xmlns="" xmlns:a16="http://schemas.microsoft.com/office/drawing/2014/main" id="{D29D7713-F574-4AEF-977E-4D69A26E9D1A}"/>
               </a:ext>
             </a:extLst>
           </p:cNvPr>
@@ -12187,7 +12187,7 @@
           <p:cNvPr id="23" name="TextBox 22">
             <a:extLst>
               <a:ext uri="{FF2B5EF4-FFF2-40B4-BE49-F238E27FC236}">
-                <a16:creationId xmlns:a16="http://schemas.microsoft.com/office/drawing/2014/main" xmlns="" id="{99DF0FE0-DB9D-4180-8370-CD26FB46DF57}"/>
+                <a16:creationId xmlns="" xmlns:a16="http://schemas.microsoft.com/office/drawing/2014/main" id="{99DF0FE0-DB9D-4180-8370-CD26FB46DF57}"/>
               </a:ext>
             </a:extLst>
           </p:cNvPr>
@@ -12634,7 +12634,7 @@
           <p:cNvPr id="11" name="Rectangle 28" descr="Светлый диагональный 2">
             <a:extLst>
               <a:ext uri="{FF2B5EF4-FFF2-40B4-BE49-F238E27FC236}">
-                <a16:creationId xmlns:a16="http://schemas.microsoft.com/office/drawing/2014/main" xmlns="" id="{2A0E99F7-A4CC-4E8F-8C74-D6A03276576B}"/>
+                <a16:creationId xmlns="" xmlns:a16="http://schemas.microsoft.com/office/drawing/2014/main" id="{2A0E99F7-A4CC-4E8F-8C74-D6A03276576B}"/>
               </a:ext>
             </a:extLst>
           </p:cNvPr>
@@ -12800,7 +12800,7 @@
           <p:cNvPr id="23" name="TextBox 22">
             <a:extLst>
               <a:ext uri="{FF2B5EF4-FFF2-40B4-BE49-F238E27FC236}">
-                <a16:creationId xmlns:a16="http://schemas.microsoft.com/office/drawing/2014/main" xmlns="" id="{99DF0FE0-DB9D-4180-8370-CD26FB46DF57}"/>
+                <a16:creationId xmlns="" xmlns:a16="http://schemas.microsoft.com/office/drawing/2014/main" id="{99DF0FE0-DB9D-4180-8370-CD26FB46DF57}"/>
               </a:ext>
             </a:extLst>
           </p:cNvPr>
@@ -13330,7 +13330,7 @@
           <p:cNvPr id="23" name="TextBox 22">
             <a:extLst>
               <a:ext uri="{FF2B5EF4-FFF2-40B4-BE49-F238E27FC236}">
-                <a16:creationId xmlns:a16="http://schemas.microsoft.com/office/drawing/2014/main" xmlns="" id="{99DF0FE0-DB9D-4180-8370-CD26FB46DF57}"/>
+                <a16:creationId xmlns="" xmlns:a16="http://schemas.microsoft.com/office/drawing/2014/main" id="{99DF0FE0-DB9D-4180-8370-CD26FB46DF57}"/>
               </a:ext>
             </a:extLst>
           </p:cNvPr>
@@ -13607,16 +13607,16 @@
               <a:t>Console.WriteLine</a:t>
             </a:r>
             <a:r>
-              <a:rPr lang="en-US" sz="2400" dirty="0">
-                <a:solidFill>
-                  <a:srgbClr val="000000"/>
-                </a:solidFill>
-                <a:latin typeface="Cascadia Mono" panose="020B0609020000020004" pitchFamily="49" charset="0"/>
-              </a:rPr>
-              <a:t>(</a:t>
-            </a:r>
-            <a:r>
-              <a:rPr lang="en-US" sz="2400" dirty="0">
+              <a:rPr lang="en-US" sz="2400" dirty="0" smtClean="0">
+                <a:solidFill>
+                  <a:srgbClr val="000000"/>
+                </a:solidFill>
+                <a:latin typeface="Cascadia Mono" panose="020B0609020000020004" pitchFamily="49" charset="0"/>
+              </a:rPr>
+              <a:t>($</a:t>
+            </a:r>
+            <a:r>
+              <a:rPr lang="en-US" sz="2400" dirty="0" smtClean="0">
                 <a:solidFill>
                   <a:srgbClr val="A31515"/>
                 </a:solidFill>
@@ -13634,13 +13634,28 @@
               <a:t>Строка </a:t>
             </a:r>
             <a:r>
-              <a:rPr lang="en-US" sz="2400" dirty="0">
+              <a:rPr lang="en-US" sz="2400" dirty="0" smtClean="0">
+                <a:latin typeface="Cascadia Mono" panose="020B0609020000020004" pitchFamily="49" charset="0"/>
+              </a:rPr>
+              <a:t>{s1}</a:t>
+            </a:r>
+            <a:r>
+              <a:rPr lang="en-US" sz="2400" dirty="0" smtClean="0">
                 <a:solidFill>
                   <a:srgbClr val="A31515"/>
                 </a:solidFill>
                 <a:latin typeface="Cascadia Mono" panose="020B0609020000020004" pitchFamily="49" charset="0"/>
               </a:rPr>
-              <a:t>s1 </a:t>
+              <a:t> </a:t>
+            </a:r>
+            <a:r>
+              <a:rPr lang="ru-RU" sz="2400" dirty="0" smtClean="0">
+                <a:solidFill>
+                  <a:srgbClr val="A31515"/>
+                </a:solidFill>
+                <a:latin typeface="Cascadia Mono" panose="020B0609020000020004" pitchFamily="49" charset="0"/>
+              </a:rPr>
+              <a:t>стоит перед </a:t>
             </a:r>
             <a:r>
               <a:rPr lang="ru-RU" sz="2400" dirty="0">
@@ -13649,16 +13664,13 @@
                 </a:solidFill>
                 <a:latin typeface="Cascadia Mono" panose="020B0609020000020004" pitchFamily="49" charset="0"/>
               </a:rPr>
-              <a:t>перед строкой </a:t>
-            </a:r>
-            <a:r>
-              <a:rPr lang="en-US" sz="2400" dirty="0">
-                <a:solidFill>
-                  <a:srgbClr val="A31515"/>
-                </a:solidFill>
-                <a:latin typeface="Cascadia Mono" panose="020B0609020000020004" pitchFamily="49" charset="0"/>
-              </a:rPr>
-              <a:t>s2</a:t>
+              <a:t>строкой </a:t>
+            </a:r>
+            <a:r>
+              <a:rPr lang="en-US" sz="2400" dirty="0" smtClean="0">
+                <a:latin typeface="Cascadia Mono" panose="020B0609020000020004" pitchFamily="49" charset="0"/>
+              </a:rPr>
+              <a:t>{s2}</a:t>
             </a:r>
             <a:r>
               <a:rPr lang="en-US" sz="2400" dirty="0" smtClean="0">
@@ -13758,13 +13770,67 @@
               <a:t>Console.WriteLine</a:t>
             </a:r>
             <a:r>
+              <a:rPr lang="ru-RU" sz="2400" dirty="0" smtClean="0">
+                <a:solidFill>
+                  <a:srgbClr val="000000"/>
+                </a:solidFill>
+                <a:latin typeface="Cascadia Mono" panose="020B0609020000020004" pitchFamily="49" charset="0"/>
+              </a:rPr>
+              <a:t>(</a:t>
+            </a:r>
+            <a:r>
+              <a:rPr lang="en-US" sz="2400" dirty="0" smtClean="0">
+                <a:solidFill>
+                  <a:srgbClr val="000000"/>
+                </a:solidFill>
+                <a:latin typeface="Cascadia Mono" panose="020B0609020000020004" pitchFamily="49" charset="0"/>
+              </a:rPr>
+              <a:t>$</a:t>
+            </a:r>
+            <a:r>
+              <a:rPr lang="ru-RU" sz="2400" dirty="0" smtClean="0">
+                <a:solidFill>
+                  <a:srgbClr val="A31515"/>
+                </a:solidFill>
+                <a:latin typeface="Cascadia Mono" panose="020B0609020000020004" pitchFamily="49" charset="0"/>
+              </a:rPr>
+              <a:t>"</a:t>
+            </a:r>
+            <a:r>
               <a:rPr lang="ru-RU" sz="2400" dirty="0">
                 <a:solidFill>
-                  <a:srgbClr val="000000"/>
-                </a:solidFill>
-                <a:latin typeface="Cascadia Mono" panose="020B0609020000020004" pitchFamily="49" charset="0"/>
-              </a:rPr>
-              <a:t>(</a:t>
+                  <a:srgbClr val="A31515"/>
+                </a:solidFill>
+                <a:latin typeface="Cascadia Mono" panose="020B0609020000020004" pitchFamily="49" charset="0"/>
+              </a:rPr>
+              <a:t>Строка </a:t>
+            </a:r>
+            <a:r>
+              <a:rPr lang="en-US" sz="2400" dirty="0">
+                <a:latin typeface="Cascadia Mono" panose="020B0609020000020004" pitchFamily="49" charset="0"/>
+              </a:rPr>
+              <a:t>{</a:t>
+            </a:r>
+            <a:r>
+              <a:rPr lang="ru-RU" sz="2400" dirty="0" smtClean="0">
+                <a:latin typeface="Cascadia Mono" panose="020B0609020000020004" pitchFamily="49" charset="0"/>
+              </a:rPr>
+              <a:t>s1</a:t>
+            </a:r>
+            <a:r>
+              <a:rPr lang="en-US" sz="2400" dirty="0" smtClean="0">
+                <a:latin typeface="Cascadia Mono" panose="020B0609020000020004" pitchFamily="49" charset="0"/>
+              </a:rPr>
+              <a:t>}</a:t>
+            </a:r>
+            <a:r>
+              <a:rPr lang="ru-RU" sz="2400" dirty="0" smtClean="0">
+                <a:solidFill>
+                  <a:srgbClr val="A31515"/>
+                </a:solidFill>
+                <a:latin typeface="Cascadia Mono" panose="020B0609020000020004" pitchFamily="49" charset="0"/>
+              </a:rPr>
+              <a:t> </a:t>
             </a:r>
             <a:r>
               <a:rPr lang="ru-RU" sz="2400" dirty="0">
@@ -13773,10 +13839,37 @@
                 </a:solidFill>
                 <a:latin typeface="Cascadia Mono" panose="020B0609020000020004" pitchFamily="49" charset="0"/>
               </a:rPr>
-              <a:t>"Строка s1 стоит после строки s2"</a:t>
-            </a:r>
-            <a:r>
-              <a:rPr lang="ru-RU" sz="2400" dirty="0">
+              <a:t>стоит после строки </a:t>
+            </a:r>
+            <a:r>
+              <a:rPr lang="en-US" sz="2400" dirty="0" smtClean="0">
+                <a:latin typeface="Cascadia Mono" panose="020B0609020000020004" pitchFamily="49" charset="0"/>
+              </a:rPr>
+              <a:t>{</a:t>
+            </a:r>
+            <a:r>
+              <a:rPr lang="ru-RU" sz="2400" dirty="0" smtClean="0">
+                <a:latin typeface="Cascadia Mono" panose="020B0609020000020004" pitchFamily="49" charset="0"/>
+              </a:rPr>
+              <a:t>s2</a:t>
+            </a:r>
+            <a:r>
+              <a:rPr lang="en-US" sz="2400" dirty="0" smtClean="0">
+                <a:latin typeface="Cascadia Mono" panose="020B0609020000020004" pitchFamily="49" charset="0"/>
+              </a:rPr>
+              <a:t>}</a:t>
+            </a:r>
+            <a:r>
+              <a:rPr lang="ru-RU" sz="2400" dirty="0" smtClean="0">
+                <a:solidFill>
+                  <a:srgbClr val="A31515"/>
+                </a:solidFill>
+                <a:latin typeface="Cascadia Mono" panose="020B0609020000020004" pitchFamily="49" charset="0"/>
+              </a:rPr>
+              <a:t>"</a:t>
+            </a:r>
+            <a:r>
+              <a:rPr lang="ru-RU" sz="2400" dirty="0" smtClean="0">
                 <a:solidFill>
                   <a:srgbClr val="000000"/>
                 </a:solidFill>
@@ -13784,6 +13877,12 @@
               </a:rPr>
               <a:t>);</a:t>
             </a:r>
+            <a:endParaRPr lang="ru-RU" sz="2400" dirty="0">
+              <a:solidFill>
+                <a:srgbClr val="000000"/>
+              </a:solidFill>
+              <a:latin typeface="Cascadia Mono" panose="020B0609020000020004" pitchFamily="49" charset="0"/>
+            </a:endParaRPr>
           </a:p>
           <a:p>
             <a:r>
@@ -13822,16 +13921,16 @@
               <a:t>Console.WriteLine</a:t>
             </a:r>
             <a:r>
-              <a:rPr lang="en-US" sz="2400" dirty="0">
-                <a:solidFill>
-                  <a:srgbClr val="000000"/>
-                </a:solidFill>
-                <a:latin typeface="Cascadia Mono" panose="020B0609020000020004" pitchFamily="49" charset="0"/>
-              </a:rPr>
-              <a:t>(</a:t>
-            </a:r>
-            <a:r>
-              <a:rPr lang="en-US" sz="2400" dirty="0">
+              <a:rPr lang="en-US" sz="2400" dirty="0" smtClean="0">
+                <a:solidFill>
+                  <a:srgbClr val="000000"/>
+                </a:solidFill>
+                <a:latin typeface="Cascadia Mono" panose="020B0609020000020004" pitchFamily="49" charset="0"/>
+              </a:rPr>
+              <a:t>($</a:t>
+            </a:r>
+            <a:r>
+              <a:rPr lang="en-US" sz="2400" dirty="0" smtClean="0">
                 <a:solidFill>
                   <a:srgbClr val="A31515"/>
                 </a:solidFill>
@@ -13849,13 +13948,19 @@
               <a:t>Строки </a:t>
             </a:r>
             <a:r>
-              <a:rPr lang="en-US" sz="2400" dirty="0">
+              <a:rPr lang="en-US" sz="2400" dirty="0" smtClean="0">
+                <a:latin typeface="Cascadia Mono" panose="020B0609020000020004" pitchFamily="49" charset="0"/>
+              </a:rPr>
+              <a:t>{s1}</a:t>
+            </a:r>
+            <a:r>
+              <a:rPr lang="en-US" sz="2400" dirty="0" smtClean="0">
                 <a:solidFill>
                   <a:srgbClr val="A31515"/>
                 </a:solidFill>
                 <a:latin typeface="Cascadia Mono" panose="020B0609020000020004" pitchFamily="49" charset="0"/>
               </a:rPr>
-              <a:t>s1 </a:t>
+              <a:t> </a:t>
             </a:r>
             <a:r>
               <a:rPr lang="ru-RU" sz="2400" dirty="0">
@@ -13867,13 +13972,19 @@
               <a:t>и </a:t>
             </a:r>
             <a:r>
-              <a:rPr lang="en-US" sz="2400" dirty="0">
+              <a:rPr lang="en-US" sz="2400" dirty="0" smtClean="0">
+                <a:latin typeface="Cascadia Mono" panose="020B0609020000020004" pitchFamily="49" charset="0"/>
+              </a:rPr>
+              <a:t>{s2}</a:t>
+            </a:r>
+            <a:r>
+              <a:rPr lang="en-US" sz="2400" dirty="0" smtClean="0">
                 <a:solidFill>
                   <a:srgbClr val="A31515"/>
                 </a:solidFill>
                 <a:latin typeface="Cascadia Mono" panose="020B0609020000020004" pitchFamily="49" charset="0"/>
               </a:rPr>
-              <a:t>s2 </a:t>
+              <a:t> </a:t>
             </a:r>
             <a:r>
               <a:rPr lang="ru-RU" sz="2400" dirty="0">
@@ -13911,7 +14022,16 @@
                 </a:solidFill>
                 <a:latin typeface="Cascadia Mono" panose="020B0609020000020004" pitchFamily="49" charset="0"/>
               </a:rPr>
-              <a:t>результатом будет "Строка s1 перед строкой </a:t>
+              <a:t>результатом будет "Строка </a:t>
+            </a:r>
+            <a:r>
+              <a:rPr lang="en-US" sz="2400" dirty="0" smtClean="0">
+                <a:solidFill>
+                  <a:srgbClr val="008000"/>
+                </a:solidFill>
+                <a:latin typeface="Cascadia Mono" panose="020B0609020000020004" pitchFamily="49" charset="0"/>
+              </a:rPr>
+              <a:t>hello </a:t>
             </a:r>
             <a:r>
               <a:rPr lang="ru-RU" sz="2400" dirty="0" smtClean="0">
@@ -13920,8 +14040,41 @@
                 </a:solidFill>
                 <a:latin typeface="Cascadia Mono" panose="020B0609020000020004" pitchFamily="49" charset="0"/>
               </a:rPr>
-              <a:t>s2"</a:t>
-            </a:r>
+              <a:t>стоит перед </a:t>
+            </a:r>
+            <a:r>
+              <a:rPr lang="ru-RU" sz="2400" dirty="0">
+                <a:solidFill>
+                  <a:srgbClr val="008000"/>
+                </a:solidFill>
+                <a:latin typeface="Cascadia Mono" panose="020B0609020000020004" pitchFamily="49" charset="0"/>
+              </a:rPr>
+              <a:t>строкой </a:t>
+            </a:r>
+            <a:r>
+              <a:rPr lang="en-US" sz="2400" dirty="0" smtClean="0">
+                <a:solidFill>
+                  <a:srgbClr val="008000"/>
+                </a:solidFill>
+                <a:latin typeface="Cascadia Mono" panose="020B0609020000020004" pitchFamily="49" charset="0"/>
+              </a:rPr>
+              <a:t>world</a:t>
+            </a:r>
+            <a:r>
+              <a:rPr lang="ru-RU" sz="2400" dirty="0" smtClean="0">
+                <a:solidFill>
+                  <a:srgbClr val="008000"/>
+                </a:solidFill>
+                <a:latin typeface="Cascadia Mono" panose="020B0609020000020004" pitchFamily="49" charset="0"/>
+              </a:rPr>
+              <a:t>"</a:t>
+            </a:r>
+            <a:endParaRPr lang="ru-RU" sz="2400" dirty="0" smtClean="0">
+              <a:solidFill>
+                <a:srgbClr val="008000"/>
+              </a:solidFill>
+              <a:latin typeface="Cascadia Mono" panose="020B0609020000020004" pitchFamily="49" charset="0"/>
+            </a:endParaRPr>
           </a:p>
           <a:p>
             <a:pPr algn="just"/>
@@ -14129,7 +14282,7 @@
           <p:cNvPr id="23" name="TextBox 22">
             <a:extLst>
               <a:ext uri="{FF2B5EF4-FFF2-40B4-BE49-F238E27FC236}">
-                <a16:creationId xmlns:a16="http://schemas.microsoft.com/office/drawing/2014/main" xmlns="" id="{99DF0FE0-DB9D-4180-8370-CD26FB46DF57}"/>
+                <a16:creationId xmlns="" xmlns:a16="http://schemas.microsoft.com/office/drawing/2014/main" id="{99DF0FE0-DB9D-4180-8370-CD26FB46DF57}"/>
               </a:ext>
             </a:extLst>
           </p:cNvPr>
@@ -15405,7 +15558,7 @@
           <p:cNvPr id="23" name="TextBox 22">
             <a:extLst>
               <a:ext uri="{FF2B5EF4-FFF2-40B4-BE49-F238E27FC236}">
-                <a16:creationId xmlns:a16="http://schemas.microsoft.com/office/drawing/2014/main" xmlns="" id="{99DF0FE0-DB9D-4180-8370-CD26FB46DF57}"/>
+                <a16:creationId xmlns="" xmlns:a16="http://schemas.microsoft.com/office/drawing/2014/main" id="{99DF0FE0-DB9D-4180-8370-CD26FB46DF57}"/>
               </a:ext>
             </a:extLst>
           </p:cNvPr>
@@ -16029,7 +16182,7 @@
           <p:cNvPr id="23" name="TextBox 22">
             <a:extLst>
               <a:ext uri="{FF2B5EF4-FFF2-40B4-BE49-F238E27FC236}">
-                <a16:creationId xmlns:a16="http://schemas.microsoft.com/office/drawing/2014/main" xmlns="" id="{99DF0FE0-DB9D-4180-8370-CD26FB46DF57}"/>
+                <a16:creationId xmlns="" xmlns:a16="http://schemas.microsoft.com/office/drawing/2014/main" id="{99DF0FE0-DB9D-4180-8370-CD26FB46DF57}"/>
               </a:ext>
             </a:extLst>
           </p:cNvPr>
@@ -16562,7 +16715,7 @@
           <p:cNvPr id="23" name="TextBox 22">
             <a:extLst>
               <a:ext uri="{FF2B5EF4-FFF2-40B4-BE49-F238E27FC236}">
-                <a16:creationId xmlns:a16="http://schemas.microsoft.com/office/drawing/2014/main" xmlns="" id="{99DF0FE0-DB9D-4180-8370-CD26FB46DF57}"/>
+                <a16:creationId xmlns="" xmlns:a16="http://schemas.microsoft.com/office/drawing/2014/main" id="{99DF0FE0-DB9D-4180-8370-CD26FB46DF57}"/>
               </a:ext>
             </a:extLst>
           </p:cNvPr>
@@ -17066,7 +17219,7 @@
           <p:cNvPr id="23" name="TextBox 22">
             <a:extLst>
               <a:ext uri="{FF2B5EF4-FFF2-40B4-BE49-F238E27FC236}">
-                <a16:creationId xmlns:a16="http://schemas.microsoft.com/office/drawing/2014/main" xmlns="" id="{99DF0FE0-DB9D-4180-8370-CD26FB46DF57}"/>
+                <a16:creationId xmlns="" xmlns:a16="http://schemas.microsoft.com/office/drawing/2014/main" id="{99DF0FE0-DB9D-4180-8370-CD26FB46DF57}"/>
               </a:ext>
             </a:extLst>
           </p:cNvPr>
@@ -17647,7 +17800,7 @@
           <p:cNvPr id="23" name="TextBox 22">
             <a:extLst>
               <a:ext uri="{FF2B5EF4-FFF2-40B4-BE49-F238E27FC236}">
-                <a16:creationId xmlns:a16="http://schemas.microsoft.com/office/drawing/2014/main" xmlns="" id="{99DF0FE0-DB9D-4180-8370-CD26FB46DF57}"/>
+                <a16:creationId xmlns="" xmlns:a16="http://schemas.microsoft.com/office/drawing/2014/main" id="{99DF0FE0-DB9D-4180-8370-CD26FB46DF57}"/>
               </a:ext>
             </a:extLst>
           </p:cNvPr>
@@ -18146,7 +18299,7 @@
           <p:cNvPr id="23" name="TextBox 22">
             <a:extLst>
               <a:ext uri="{FF2B5EF4-FFF2-40B4-BE49-F238E27FC236}">
-                <a16:creationId xmlns:a16="http://schemas.microsoft.com/office/drawing/2014/main" xmlns="" id="{99DF0FE0-DB9D-4180-8370-CD26FB46DF57}"/>
+                <a16:creationId xmlns="" xmlns:a16="http://schemas.microsoft.com/office/drawing/2014/main" id="{99DF0FE0-DB9D-4180-8370-CD26FB46DF57}"/>
               </a:ext>
             </a:extLst>
           </p:cNvPr>
@@ -18564,7 +18717,7 @@
           <p:cNvPr id="23" name="TextBox 22">
             <a:extLst>
               <a:ext uri="{FF2B5EF4-FFF2-40B4-BE49-F238E27FC236}">
-                <a16:creationId xmlns:a16="http://schemas.microsoft.com/office/drawing/2014/main" xmlns="" id="{99DF0FE0-DB9D-4180-8370-CD26FB46DF57}"/>
+                <a16:creationId xmlns="" xmlns:a16="http://schemas.microsoft.com/office/drawing/2014/main" id="{99DF0FE0-DB9D-4180-8370-CD26FB46DF57}"/>
               </a:ext>
             </a:extLst>
           </p:cNvPr>
@@ -19146,7 +19299,7 @@
           <p:cNvPr id="23" name="TextBox 22">
             <a:extLst>
               <a:ext uri="{FF2B5EF4-FFF2-40B4-BE49-F238E27FC236}">
-                <a16:creationId xmlns:a16="http://schemas.microsoft.com/office/drawing/2014/main" xmlns="" id="{99DF0FE0-DB9D-4180-8370-CD26FB46DF57}"/>
+                <a16:creationId xmlns="" xmlns:a16="http://schemas.microsoft.com/office/drawing/2014/main" id="{99DF0FE0-DB9D-4180-8370-CD26FB46DF57}"/>
               </a:ext>
             </a:extLst>
           </p:cNvPr>
@@ -19700,7 +19853,7 @@
           <p:cNvPr id="23" name="TextBox 22">
             <a:extLst>
               <a:ext uri="{FF2B5EF4-FFF2-40B4-BE49-F238E27FC236}">
-                <a16:creationId xmlns:a16="http://schemas.microsoft.com/office/drawing/2014/main" xmlns="" id="{99DF0FE0-DB9D-4180-8370-CD26FB46DF57}"/>
+                <a16:creationId xmlns="" xmlns:a16="http://schemas.microsoft.com/office/drawing/2014/main" id="{99DF0FE0-DB9D-4180-8370-CD26FB46DF57}"/>
               </a:ext>
             </a:extLst>
           </p:cNvPr>
@@ -20548,7 +20701,7 @@
           <p:cNvPr id="17" name="TextBox 16">
             <a:extLst>
               <a:ext uri="{FF2B5EF4-FFF2-40B4-BE49-F238E27FC236}">
-                <a16:creationId xmlns:a16="http://schemas.microsoft.com/office/drawing/2014/main" xmlns="" id="{30597B7C-51FB-4AA2-A3AF-E1497F92AD6B}"/>
+                <a16:creationId xmlns="" xmlns:a16="http://schemas.microsoft.com/office/drawing/2014/main" id="{30597B7C-51FB-4AA2-A3AF-E1497F92AD6B}"/>
               </a:ext>
             </a:extLst>
           </p:cNvPr>
@@ -21106,7 +21259,7 @@
           <p:cNvPr id="20" name="Прямоугольник 19">
             <a:extLst>
               <a:ext uri="{FF2B5EF4-FFF2-40B4-BE49-F238E27FC236}">
-                <a16:creationId xmlns:a16="http://schemas.microsoft.com/office/drawing/2014/main" xmlns="" id="{94853BEC-DBEC-49F1-86BC-81D6BA3F55BD}"/>
+                <a16:creationId xmlns="" xmlns:a16="http://schemas.microsoft.com/office/drawing/2014/main" id="{94853BEC-DBEC-49F1-86BC-81D6BA3F55BD}"/>
               </a:ext>
             </a:extLst>
           </p:cNvPr>
@@ -21159,7 +21312,7 @@
           <p:cNvPr id="21" name="Прямая со стрелкой 20">
             <a:extLst>
               <a:ext uri="{FF2B5EF4-FFF2-40B4-BE49-F238E27FC236}">
-                <a16:creationId xmlns:a16="http://schemas.microsoft.com/office/drawing/2014/main" xmlns="" id="{C719D22E-7A81-42F0-A31E-BC4E43FF9253}"/>
+                <a16:creationId xmlns="" xmlns:a16="http://schemas.microsoft.com/office/drawing/2014/main" id="{C719D22E-7A81-42F0-A31E-BC4E43FF9253}"/>
               </a:ext>
             </a:extLst>
           </p:cNvPr>
@@ -21201,7 +21354,7 @@
           <p:cNvPr id="35" name="Прямоугольник 34">
             <a:extLst>
               <a:ext uri="{FF2B5EF4-FFF2-40B4-BE49-F238E27FC236}">
-                <a16:creationId xmlns:a16="http://schemas.microsoft.com/office/drawing/2014/main" xmlns="" id="{70299FCB-7EC9-4EB9-9D4F-847872EAEBD1}"/>
+                <a16:creationId xmlns="" xmlns:a16="http://schemas.microsoft.com/office/drawing/2014/main" id="{70299FCB-7EC9-4EB9-9D4F-847872EAEBD1}"/>
               </a:ext>
             </a:extLst>
           </p:cNvPr>
@@ -21254,7 +21407,7 @@
           <p:cNvPr id="36" name="Прямая со стрелкой 35">
             <a:extLst>
               <a:ext uri="{FF2B5EF4-FFF2-40B4-BE49-F238E27FC236}">
-                <a16:creationId xmlns:a16="http://schemas.microsoft.com/office/drawing/2014/main" xmlns="" id="{C58D3AAA-D45D-4095-9446-BD0496223807}"/>
+                <a16:creationId xmlns="" xmlns:a16="http://schemas.microsoft.com/office/drawing/2014/main" id="{C58D3AAA-D45D-4095-9446-BD0496223807}"/>
               </a:ext>
             </a:extLst>
           </p:cNvPr>
@@ -21296,7 +21449,7 @@
           <p:cNvPr id="40" name="Прямоугольник 39">
             <a:extLst>
               <a:ext uri="{FF2B5EF4-FFF2-40B4-BE49-F238E27FC236}">
-                <a16:creationId xmlns:a16="http://schemas.microsoft.com/office/drawing/2014/main" xmlns="" id="{4A717210-C833-4149-AE10-144F56CC20E7}"/>
+                <a16:creationId xmlns="" xmlns:a16="http://schemas.microsoft.com/office/drawing/2014/main" id="{4A717210-C833-4149-AE10-144F56CC20E7}"/>
               </a:ext>
             </a:extLst>
           </p:cNvPr>
@@ -21349,7 +21502,7 @@
           <p:cNvPr id="41" name="Прямая со стрелкой 40">
             <a:extLst>
               <a:ext uri="{FF2B5EF4-FFF2-40B4-BE49-F238E27FC236}">
-                <a16:creationId xmlns:a16="http://schemas.microsoft.com/office/drawing/2014/main" xmlns="" id="{18840542-311F-4828-BFBA-17E4959592FD}"/>
+                <a16:creationId xmlns="" xmlns:a16="http://schemas.microsoft.com/office/drawing/2014/main" id="{18840542-311F-4828-BFBA-17E4959592FD}"/>
               </a:ext>
             </a:extLst>
           </p:cNvPr>
@@ -21391,7 +21544,7 @@
           <p:cNvPr id="46" name="Прямоугольник 45">
             <a:extLst>
               <a:ext uri="{FF2B5EF4-FFF2-40B4-BE49-F238E27FC236}">
-                <a16:creationId xmlns:a16="http://schemas.microsoft.com/office/drawing/2014/main" xmlns="" id="{C09C2093-30C3-4A2B-9926-03B6C3042F3E}"/>
+                <a16:creationId xmlns="" xmlns:a16="http://schemas.microsoft.com/office/drawing/2014/main" id="{C09C2093-30C3-4A2B-9926-03B6C3042F3E}"/>
               </a:ext>
             </a:extLst>
           </p:cNvPr>
@@ -21444,7 +21597,7 @@
           <p:cNvPr id="48" name="Прямая со стрелкой 47">
             <a:extLst>
               <a:ext uri="{FF2B5EF4-FFF2-40B4-BE49-F238E27FC236}">
-                <a16:creationId xmlns:a16="http://schemas.microsoft.com/office/drawing/2014/main" xmlns="" id="{E29F1145-900A-45A0-9606-7F525626C089}"/>
+                <a16:creationId xmlns="" xmlns:a16="http://schemas.microsoft.com/office/drawing/2014/main" id="{E29F1145-900A-45A0-9606-7F525626C089}"/>
               </a:ext>
             </a:extLst>
           </p:cNvPr>
@@ -21486,7 +21639,7 @@
           <p:cNvPr id="50" name="Прямоугольник 49">
             <a:extLst>
               <a:ext uri="{FF2B5EF4-FFF2-40B4-BE49-F238E27FC236}">
-                <a16:creationId xmlns:a16="http://schemas.microsoft.com/office/drawing/2014/main" xmlns="" id="{7CFF1EF1-6FD9-4AAA-AFE1-154D0322FD43}"/>
+                <a16:creationId xmlns="" xmlns:a16="http://schemas.microsoft.com/office/drawing/2014/main" id="{7CFF1EF1-6FD9-4AAA-AFE1-154D0322FD43}"/>
               </a:ext>
             </a:extLst>
           </p:cNvPr>
@@ -23630,7 +23783,7 @@
           <p:cNvPr id="25" name="TextBox 24">
             <a:extLst>
               <a:ext uri="{FF2B5EF4-FFF2-40B4-BE49-F238E27FC236}">
-                <a16:creationId xmlns:a16="http://schemas.microsoft.com/office/drawing/2014/main" xmlns="" id="{A3B76C38-5C63-40EA-9C87-3E38ECF3DF17}"/>
+                <a16:creationId xmlns="" xmlns:a16="http://schemas.microsoft.com/office/drawing/2014/main" id="{A3B76C38-5C63-40EA-9C87-3E38ECF3DF17}"/>
               </a:ext>
             </a:extLst>
           </p:cNvPr>
@@ -23821,7 +23974,7 @@
           <p:cNvPr id="9" name="Rectangle 28" descr="Светлый диагональный 2">
             <a:extLst>
               <a:ext uri="{FF2B5EF4-FFF2-40B4-BE49-F238E27FC236}">
-                <a16:creationId xmlns:a16="http://schemas.microsoft.com/office/drawing/2014/main" xmlns="" id="{2A0E99F7-A4CC-4E8F-8C74-D6A03276576B}"/>
+                <a16:creationId xmlns="" xmlns:a16="http://schemas.microsoft.com/office/drawing/2014/main" id="{2A0E99F7-A4CC-4E8F-8C74-D6A03276576B}"/>
               </a:ext>
             </a:extLst>
           </p:cNvPr>
@@ -23998,7 +24151,7 @@
           <p:cNvPr id="25" name="TextBox 24">
             <a:extLst>
               <a:ext uri="{FF2B5EF4-FFF2-40B4-BE49-F238E27FC236}">
-                <a16:creationId xmlns:a16="http://schemas.microsoft.com/office/drawing/2014/main" xmlns="" id="{A3B76C38-5C63-40EA-9C87-3E38ECF3DF17}"/>
+                <a16:creationId xmlns="" xmlns:a16="http://schemas.microsoft.com/office/drawing/2014/main" id="{A3B76C38-5C63-40EA-9C87-3E38ECF3DF17}"/>
               </a:ext>
             </a:extLst>
           </p:cNvPr>
@@ -24210,7 +24363,7 @@
           <p:cNvPr id="17" name="TextBox 16">
             <a:extLst>
               <a:ext uri="{FF2B5EF4-FFF2-40B4-BE49-F238E27FC236}">
-                <a16:creationId xmlns:a16="http://schemas.microsoft.com/office/drawing/2014/main" xmlns="" id="{30597B7C-51FB-4AA2-A3AF-E1497F92AD6B}"/>
+                <a16:creationId xmlns="" xmlns:a16="http://schemas.microsoft.com/office/drawing/2014/main" id="{30597B7C-51FB-4AA2-A3AF-E1497F92AD6B}"/>
               </a:ext>
             </a:extLst>
           </p:cNvPr>
@@ -26160,7 +26313,7 @@
           <p:cNvPr id="16" name="TextBox 15">
             <a:extLst>
               <a:ext uri="{FF2B5EF4-FFF2-40B4-BE49-F238E27FC236}">
-                <a16:creationId xmlns:a16="http://schemas.microsoft.com/office/drawing/2014/main" xmlns="" id="{D80E6905-CAF1-4BFF-97C0-2CE9DCB1DBF3}"/>
+                <a16:creationId xmlns="" xmlns:a16="http://schemas.microsoft.com/office/drawing/2014/main" id="{D80E6905-CAF1-4BFF-97C0-2CE9DCB1DBF3}"/>
               </a:ext>
             </a:extLst>
           </p:cNvPr>
@@ -26926,7 +27079,7 @@
           <p:cNvPr id="25" name="TextBox 24">
             <a:extLst>
               <a:ext uri="{FF2B5EF4-FFF2-40B4-BE49-F238E27FC236}">
-                <a16:creationId xmlns:a16="http://schemas.microsoft.com/office/drawing/2014/main" xmlns="" id="{A3B76C38-5C63-40EA-9C87-3E38ECF3DF17}"/>
+                <a16:creationId xmlns="" xmlns:a16="http://schemas.microsoft.com/office/drawing/2014/main" id="{A3B76C38-5C63-40EA-9C87-3E38ECF3DF17}"/>
               </a:ext>
             </a:extLst>
           </p:cNvPr>
@@ -27228,7 +27381,7 @@
           <p:cNvPr id="9" name="Rectangle 28" descr="Светлый диагональный 2">
             <a:extLst>
               <a:ext uri="{FF2B5EF4-FFF2-40B4-BE49-F238E27FC236}">
-                <a16:creationId xmlns:a16="http://schemas.microsoft.com/office/drawing/2014/main" xmlns="" id="{2A0E99F7-A4CC-4E8F-8C74-D6A03276576B}"/>
+                <a16:creationId xmlns="" xmlns:a16="http://schemas.microsoft.com/office/drawing/2014/main" id="{2A0E99F7-A4CC-4E8F-8C74-D6A03276576B}"/>
               </a:ext>
             </a:extLst>
           </p:cNvPr>
@@ -27405,7 +27558,7 @@
           <p:cNvPr id="25" name="TextBox 24">
             <a:extLst>
               <a:ext uri="{FF2B5EF4-FFF2-40B4-BE49-F238E27FC236}">
-                <a16:creationId xmlns:a16="http://schemas.microsoft.com/office/drawing/2014/main" xmlns="" id="{A3B76C38-5C63-40EA-9C87-3E38ECF3DF17}"/>
+                <a16:creationId xmlns="" xmlns:a16="http://schemas.microsoft.com/office/drawing/2014/main" id="{A3B76C38-5C63-40EA-9C87-3E38ECF3DF17}"/>
               </a:ext>
             </a:extLst>
           </p:cNvPr>

--- a/Лекции/ИТиП лек 3 (лр 3, практическая 2).pptx
+++ b/Лекции/ИТиП лек 3 (лр 3, практическая 2).pptx
@@ -5,7 +5,7 @@
     <p:sldMasterId id="2147483674" r:id="rId1"/>
   </p:sldMasterIdLst>
   <p:notesMasterIdLst>
-    <p:notesMasterId r:id="rId37"/>
+    <p:notesMasterId r:id="rId35"/>
   </p:notesMasterIdLst>
   <p:sldIdLst>
     <p:sldId id="273" r:id="rId2"/>
@@ -41,8 +41,6 @@
     <p:sldId id="1086" r:id="rId32"/>
     <p:sldId id="990" r:id="rId33"/>
     <p:sldId id="1027" r:id="rId34"/>
-    <p:sldId id="1025" r:id="rId35"/>
-    <p:sldId id="1026" r:id="rId36"/>
   </p:sldIdLst>
   <p:sldSz cx="12192000" cy="6858000"/>
   <p:notesSz cx="6858000" cy="9144000"/>
@@ -243,7 +241,7 @@
             <a:fld id="{AA2F9473-F066-431E-A6E8-1D478C995A6B}" type="datetimeFigureOut">
               <a:rPr lang="en-US" smtClean="0"/>
               <a:pPr/>
-              <a:t>10/17/2024</a:t>
+              <a:t>10/31/2024</a:t>
             </a:fld>
             <a:endParaRPr lang="en-US"/>
           </a:p>
@@ -2942,186 +2940,6 @@
 </p:notes>
 </file>
 
-<file path=ppt/notesSlides/notesSlide34.xml><?xml version="1.0" encoding="utf-8"?>
-<p:notes xmlns:a="http://schemas.openxmlformats.org/drawingml/2006/main" xmlns:r="http://schemas.openxmlformats.org/officeDocument/2006/relationships" xmlns:p="http://schemas.openxmlformats.org/presentationml/2006/main">
-  <p:cSld>
-    <p:spTree>
-      <p:nvGrpSpPr>
-        <p:cNvPr id="1" name=""/>
-        <p:cNvGrpSpPr/>
-        <p:nvPr/>
-      </p:nvGrpSpPr>
-      <p:grpSpPr>
-        <a:xfrm>
-          <a:off x="0" y="0"/>
-          <a:ext cx="0" cy="0"/>
-          <a:chOff x="0" y="0"/>
-          <a:chExt cx="0" cy="0"/>
-        </a:xfrm>
-      </p:grpSpPr>
-      <p:sp>
-        <p:nvSpPr>
-          <p:cNvPr id="2" name="Образ слайда 1"/>
-          <p:cNvSpPr>
-            <a:spLocks noGrp="1" noRot="1" noChangeAspect="1"/>
-          </p:cNvSpPr>
-          <p:nvPr>
-            <p:ph type="sldImg"/>
-          </p:nvPr>
-        </p:nvSpPr>
-        <p:spPr>
-          <a:xfrm>
-            <a:off x="685800" y="1143000"/>
-            <a:ext cx="5486400" cy="3086100"/>
-          </a:xfrm>
-        </p:spPr>
-      </p:sp>
-      <p:sp>
-        <p:nvSpPr>
-          <p:cNvPr id="3" name="Заметки 2"/>
-          <p:cNvSpPr>
-            <a:spLocks noGrp="1"/>
-          </p:cNvSpPr>
-          <p:nvPr>
-            <p:ph type="body" idx="1"/>
-          </p:nvPr>
-        </p:nvSpPr>
-        <p:spPr/>
-        <p:txBody>
-          <a:bodyPr/>
-          <a:lstStyle/>
-          <a:p>
-            <a:endParaRPr lang="ru-RU"/>
-          </a:p>
-        </p:txBody>
-      </p:sp>
-      <p:sp>
-        <p:nvSpPr>
-          <p:cNvPr id="4" name="Номер слайда 3"/>
-          <p:cNvSpPr>
-            <a:spLocks noGrp="1"/>
-          </p:cNvSpPr>
-          <p:nvPr>
-            <p:ph type="sldNum" sz="quarter" idx="10"/>
-          </p:nvPr>
-        </p:nvSpPr>
-        <p:spPr/>
-        <p:txBody>
-          <a:bodyPr/>
-          <a:lstStyle/>
-          <a:p>
-            <a:fld id="{F0F4E2F1-1521-4C3A-A563-2F7D19AB6E0B}" type="slidenum">
-              <a:rPr lang="en-US" smtClean="0"/>
-              <a:pPr/>
-              <a:t>34</a:t>
-            </a:fld>
-            <a:endParaRPr lang="en-US"/>
-          </a:p>
-        </p:txBody>
-      </p:sp>
-    </p:spTree>
-    <p:extLst>
-      <p:ext uri="{BB962C8B-B14F-4D97-AF65-F5344CB8AC3E}">
-        <p14:creationId xmlns:p14="http://schemas.microsoft.com/office/powerpoint/2010/main" val="2407176137"/>
-      </p:ext>
-    </p:extLst>
-  </p:cSld>
-  <p:clrMapOvr>
-    <a:masterClrMapping/>
-  </p:clrMapOvr>
-</p:notes>
-</file>
-
-<file path=ppt/notesSlides/notesSlide35.xml><?xml version="1.0" encoding="utf-8"?>
-<p:notes xmlns:a="http://schemas.openxmlformats.org/drawingml/2006/main" xmlns:r="http://schemas.openxmlformats.org/officeDocument/2006/relationships" xmlns:p="http://schemas.openxmlformats.org/presentationml/2006/main">
-  <p:cSld>
-    <p:spTree>
-      <p:nvGrpSpPr>
-        <p:cNvPr id="1" name=""/>
-        <p:cNvGrpSpPr/>
-        <p:nvPr/>
-      </p:nvGrpSpPr>
-      <p:grpSpPr>
-        <a:xfrm>
-          <a:off x="0" y="0"/>
-          <a:ext cx="0" cy="0"/>
-          <a:chOff x="0" y="0"/>
-          <a:chExt cx="0" cy="0"/>
-        </a:xfrm>
-      </p:grpSpPr>
-      <p:sp>
-        <p:nvSpPr>
-          <p:cNvPr id="2" name="Образ слайда 1"/>
-          <p:cNvSpPr>
-            <a:spLocks noGrp="1" noRot="1" noChangeAspect="1"/>
-          </p:cNvSpPr>
-          <p:nvPr>
-            <p:ph type="sldImg"/>
-          </p:nvPr>
-        </p:nvSpPr>
-        <p:spPr>
-          <a:xfrm>
-            <a:off x="685800" y="1143000"/>
-            <a:ext cx="5486400" cy="3086100"/>
-          </a:xfrm>
-        </p:spPr>
-      </p:sp>
-      <p:sp>
-        <p:nvSpPr>
-          <p:cNvPr id="3" name="Заметки 2"/>
-          <p:cNvSpPr>
-            <a:spLocks noGrp="1"/>
-          </p:cNvSpPr>
-          <p:nvPr>
-            <p:ph type="body" idx="1"/>
-          </p:nvPr>
-        </p:nvSpPr>
-        <p:spPr/>
-        <p:txBody>
-          <a:bodyPr/>
-          <a:lstStyle/>
-          <a:p>
-            <a:endParaRPr lang="ru-RU"/>
-          </a:p>
-        </p:txBody>
-      </p:sp>
-      <p:sp>
-        <p:nvSpPr>
-          <p:cNvPr id="4" name="Номер слайда 3"/>
-          <p:cNvSpPr>
-            <a:spLocks noGrp="1"/>
-          </p:cNvSpPr>
-          <p:nvPr>
-            <p:ph type="sldNum" sz="quarter" idx="10"/>
-          </p:nvPr>
-        </p:nvSpPr>
-        <p:spPr/>
-        <p:txBody>
-          <a:bodyPr/>
-          <a:lstStyle/>
-          <a:p>
-            <a:fld id="{F0F4E2F1-1521-4C3A-A563-2F7D19AB6E0B}" type="slidenum">
-              <a:rPr lang="en-US" smtClean="0"/>
-              <a:pPr/>
-              <a:t>35</a:t>
-            </a:fld>
-            <a:endParaRPr lang="en-US"/>
-          </a:p>
-        </p:txBody>
-      </p:sp>
-    </p:spTree>
-    <p:extLst>
-      <p:ext uri="{BB962C8B-B14F-4D97-AF65-F5344CB8AC3E}">
-        <p14:creationId xmlns:p14="http://schemas.microsoft.com/office/powerpoint/2010/main" val="2800263606"/>
-      </p:ext>
-    </p:extLst>
-  </p:cSld>
-  <p:clrMapOvr>
-    <a:masterClrMapping/>
-  </p:clrMapOvr>
-</p:notes>
-</file>
-
 <file path=ppt/notesSlides/notesSlide4.xml><?xml version="1.0" encoding="utf-8"?>
 <p:notes xmlns:a="http://schemas.openxmlformats.org/drawingml/2006/main" xmlns:r="http://schemas.openxmlformats.org/officeDocument/2006/relationships" xmlns:p="http://schemas.openxmlformats.org/presentationml/2006/main">
   <p:cSld>
@@ -3819,7 +3637,7 @@
           <p:cNvPr id="9" name="Номер слайда 3">
             <a:extLst>
               <a:ext uri="{FF2B5EF4-FFF2-40B4-BE49-F238E27FC236}">
-                <a16:creationId xmlns="" xmlns:a16="http://schemas.microsoft.com/office/drawing/2014/main" id="{3DF48714-7FE4-4364-BF9D-28B9C9E2979D}"/>
+                <a16:creationId xmlns:a16="http://schemas.microsoft.com/office/drawing/2014/main" xmlns="" id="{3DF48714-7FE4-4364-BF9D-28B9C9E2979D}"/>
               </a:ext>
             </a:extLst>
           </p:cNvPr>
@@ -4028,7 +3846,7 @@
           <p:cNvPr id="10" name="Номер слайда 3">
             <a:extLst>
               <a:ext uri="{FF2B5EF4-FFF2-40B4-BE49-F238E27FC236}">
-                <a16:creationId xmlns="" xmlns:a16="http://schemas.microsoft.com/office/drawing/2014/main" id="{3DF48714-7FE4-4364-BF9D-28B9C9E2979D}"/>
+                <a16:creationId xmlns:a16="http://schemas.microsoft.com/office/drawing/2014/main" xmlns="" id="{3DF48714-7FE4-4364-BF9D-28B9C9E2979D}"/>
               </a:ext>
             </a:extLst>
           </p:cNvPr>
@@ -4247,7 +4065,7 @@
           <p:cNvPr id="9" name="Номер слайда 3">
             <a:extLst>
               <a:ext uri="{FF2B5EF4-FFF2-40B4-BE49-F238E27FC236}">
-                <a16:creationId xmlns="" xmlns:a16="http://schemas.microsoft.com/office/drawing/2014/main" id="{3DF48714-7FE4-4364-BF9D-28B9C9E2979D}"/>
+                <a16:creationId xmlns:a16="http://schemas.microsoft.com/office/drawing/2014/main" xmlns="" id="{3DF48714-7FE4-4364-BF9D-28B9C9E2979D}"/>
               </a:ext>
             </a:extLst>
           </p:cNvPr>
@@ -4377,7 +4195,7 @@
           <p:cNvPr id="7" name="Номер слайда 3">
             <a:extLst>
               <a:ext uri="{FF2B5EF4-FFF2-40B4-BE49-F238E27FC236}">
-                <a16:creationId xmlns="" xmlns:a16="http://schemas.microsoft.com/office/drawing/2014/main" id="{3DF48714-7FE4-4364-BF9D-28B9C9E2979D}"/>
+                <a16:creationId xmlns:a16="http://schemas.microsoft.com/office/drawing/2014/main" xmlns="" id="{3DF48714-7FE4-4364-BF9D-28B9C9E2979D}"/>
               </a:ext>
             </a:extLst>
           </p:cNvPr>
@@ -4586,7 +4404,7 @@
           <p:cNvPr id="9" name="Номер слайда 3">
             <a:extLst>
               <a:ext uri="{FF2B5EF4-FFF2-40B4-BE49-F238E27FC236}">
-                <a16:creationId xmlns="" xmlns:a16="http://schemas.microsoft.com/office/drawing/2014/main" id="{3DF48714-7FE4-4364-BF9D-28B9C9E2979D}"/>
+                <a16:creationId xmlns:a16="http://schemas.microsoft.com/office/drawing/2014/main" xmlns="" id="{3DF48714-7FE4-4364-BF9D-28B9C9E2979D}"/>
               </a:ext>
             </a:extLst>
           </p:cNvPr>
@@ -4871,7 +4689,7 @@
           <p:cNvPr id="9" name="Номер слайда 3">
             <a:extLst>
               <a:ext uri="{FF2B5EF4-FFF2-40B4-BE49-F238E27FC236}">
-                <a16:creationId xmlns="" xmlns:a16="http://schemas.microsoft.com/office/drawing/2014/main" id="{3DF48714-7FE4-4364-BF9D-28B9C9E2979D}"/>
+                <a16:creationId xmlns:a16="http://schemas.microsoft.com/office/drawing/2014/main" xmlns="" id="{3DF48714-7FE4-4364-BF9D-28B9C9E2979D}"/>
               </a:ext>
             </a:extLst>
           </p:cNvPr>
@@ -5142,7 +4960,7 @@
           <p:cNvPr id="10" name="Номер слайда 3">
             <a:extLst>
               <a:ext uri="{FF2B5EF4-FFF2-40B4-BE49-F238E27FC236}">
-                <a16:creationId xmlns="" xmlns:a16="http://schemas.microsoft.com/office/drawing/2014/main" id="{3DF48714-7FE4-4364-BF9D-28B9C9E2979D}"/>
+                <a16:creationId xmlns:a16="http://schemas.microsoft.com/office/drawing/2014/main" xmlns="" id="{3DF48714-7FE4-4364-BF9D-28B9C9E2979D}"/>
               </a:ext>
             </a:extLst>
           </p:cNvPr>
@@ -5548,7 +5366,7 @@
           <p:cNvPr id="12" name="Номер слайда 3">
             <a:extLst>
               <a:ext uri="{FF2B5EF4-FFF2-40B4-BE49-F238E27FC236}">
-                <a16:creationId xmlns="" xmlns:a16="http://schemas.microsoft.com/office/drawing/2014/main" id="{3DF48714-7FE4-4364-BF9D-28B9C9E2979D}"/>
+                <a16:creationId xmlns:a16="http://schemas.microsoft.com/office/drawing/2014/main" xmlns="" id="{3DF48714-7FE4-4364-BF9D-28B9C9E2979D}"/>
               </a:ext>
             </a:extLst>
           </p:cNvPr>
@@ -5705,7 +5523,7 @@
           <p:cNvPr id="8" name="Номер слайда 3">
             <a:extLst>
               <a:ext uri="{FF2B5EF4-FFF2-40B4-BE49-F238E27FC236}">
-                <a16:creationId xmlns="" xmlns:a16="http://schemas.microsoft.com/office/drawing/2014/main" id="{3DF48714-7FE4-4364-BF9D-28B9C9E2979D}"/>
+                <a16:creationId xmlns:a16="http://schemas.microsoft.com/office/drawing/2014/main" xmlns="" id="{3DF48714-7FE4-4364-BF9D-28B9C9E2979D}"/>
               </a:ext>
             </a:extLst>
           </p:cNvPr>
@@ -5842,7 +5660,7 @@
           <p:cNvPr id="7" name="Номер слайда 3">
             <a:extLst>
               <a:ext uri="{FF2B5EF4-FFF2-40B4-BE49-F238E27FC236}">
-                <a16:creationId xmlns="" xmlns:a16="http://schemas.microsoft.com/office/drawing/2014/main" id="{3DF48714-7FE4-4364-BF9D-28B9C9E2979D}"/>
+                <a16:creationId xmlns:a16="http://schemas.microsoft.com/office/drawing/2014/main" xmlns="" id="{3DF48714-7FE4-4364-BF9D-28B9C9E2979D}"/>
               </a:ext>
             </a:extLst>
           </p:cNvPr>
@@ -6161,7 +5979,7 @@
           <p:cNvPr id="10" name="Номер слайда 3">
             <a:extLst>
               <a:ext uri="{FF2B5EF4-FFF2-40B4-BE49-F238E27FC236}">
-                <a16:creationId xmlns="" xmlns:a16="http://schemas.microsoft.com/office/drawing/2014/main" id="{3DF48714-7FE4-4364-BF9D-28B9C9E2979D}"/>
+                <a16:creationId xmlns:a16="http://schemas.microsoft.com/office/drawing/2014/main" xmlns="" id="{3DF48714-7FE4-4364-BF9D-28B9C9E2979D}"/>
               </a:ext>
             </a:extLst>
           </p:cNvPr>
@@ -6457,7 +6275,7 @@
           <p:cNvPr id="10" name="Номер слайда 3">
             <a:extLst>
               <a:ext uri="{FF2B5EF4-FFF2-40B4-BE49-F238E27FC236}">
-                <a16:creationId xmlns="" xmlns:a16="http://schemas.microsoft.com/office/drawing/2014/main" id="{3DF48714-7FE4-4364-BF9D-28B9C9E2979D}"/>
+                <a16:creationId xmlns:a16="http://schemas.microsoft.com/office/drawing/2014/main" xmlns="" id="{3DF48714-7FE4-4364-BF9D-28B9C9E2979D}"/>
               </a:ext>
             </a:extLst>
           </p:cNvPr>
@@ -6730,7 +6548,7 @@
           <p:cNvPr id="9" name="Номер слайда 3">
             <a:extLst>
               <a:ext uri="{FF2B5EF4-FFF2-40B4-BE49-F238E27FC236}">
-                <a16:creationId xmlns="" xmlns:a16="http://schemas.microsoft.com/office/drawing/2014/main" id="{3DF48714-7FE4-4364-BF9D-28B9C9E2979D}"/>
+                <a16:creationId xmlns:a16="http://schemas.microsoft.com/office/drawing/2014/main" xmlns="" id="{3DF48714-7FE4-4364-BF9D-28B9C9E2979D}"/>
               </a:ext>
             </a:extLst>
           </p:cNvPr>
@@ -7192,7 +7010,7 @@
           <p:cNvPr id="17" name="Заголовок 16">
             <a:extLst>
               <a:ext uri="{FF2B5EF4-FFF2-40B4-BE49-F238E27FC236}">
-                <a16:creationId xmlns="" xmlns:a16="http://schemas.microsoft.com/office/drawing/2014/main" id="{D630362D-1F09-46B4-9DE4-AEA483AC82FD}"/>
+                <a16:creationId xmlns:a16="http://schemas.microsoft.com/office/drawing/2014/main" xmlns="" id="{D630362D-1F09-46B4-9DE4-AEA483AC82FD}"/>
               </a:ext>
             </a:extLst>
           </p:cNvPr>
@@ -7384,7 +7202,7 @@
           <p:cNvPr id="12" name="TextBox 11">
             <a:extLst>
               <a:ext uri="{FF2B5EF4-FFF2-40B4-BE49-F238E27FC236}">
-                <a16:creationId xmlns="" xmlns:a16="http://schemas.microsoft.com/office/drawing/2014/main" id="{F7B00361-5492-4290-B470-295172C16526}"/>
+                <a16:creationId xmlns:a16="http://schemas.microsoft.com/office/drawing/2014/main" xmlns="" id="{F7B00361-5492-4290-B470-295172C16526}"/>
               </a:ext>
             </a:extLst>
           </p:cNvPr>
@@ -7589,7 +7407,7 @@
           <p:cNvPr id="9" name="TextBox 8">
             <a:extLst>
               <a:ext uri="{FF2B5EF4-FFF2-40B4-BE49-F238E27FC236}">
-                <a16:creationId xmlns="" xmlns:a16="http://schemas.microsoft.com/office/drawing/2014/main" id="{99DF0FE0-DB9D-4180-8370-CD26FB46DF57}"/>
+                <a16:creationId xmlns:a16="http://schemas.microsoft.com/office/drawing/2014/main" xmlns="" id="{99DF0FE0-DB9D-4180-8370-CD26FB46DF57}"/>
               </a:ext>
             </a:extLst>
           </p:cNvPr>
@@ -8108,7 +7926,7 @@
           <p:cNvPr id="19" name="TextBox 18">
             <a:extLst>
               <a:ext uri="{FF2B5EF4-FFF2-40B4-BE49-F238E27FC236}">
-                <a16:creationId xmlns="" xmlns:a16="http://schemas.microsoft.com/office/drawing/2014/main" id="{30D2C149-B2EB-4606-9635-BF0DB8DE257D}"/>
+                <a16:creationId xmlns:a16="http://schemas.microsoft.com/office/drawing/2014/main" xmlns="" id="{30D2C149-B2EB-4606-9635-BF0DB8DE257D}"/>
               </a:ext>
             </a:extLst>
           </p:cNvPr>
@@ -8684,7 +8502,7 @@
           <p:cNvPr id="6" name="Прямоугольник 5">
             <a:extLst>
               <a:ext uri="{FF2B5EF4-FFF2-40B4-BE49-F238E27FC236}">
-                <a16:creationId xmlns="" xmlns:a16="http://schemas.microsoft.com/office/drawing/2014/main" id="{D29D7713-F574-4AEF-977E-4D69A26E9D1A}"/>
+                <a16:creationId xmlns:a16="http://schemas.microsoft.com/office/drawing/2014/main" xmlns="" id="{D29D7713-F574-4AEF-977E-4D69A26E9D1A}"/>
               </a:ext>
             </a:extLst>
           </p:cNvPr>
@@ -8770,7 +8588,7 @@
           <p:cNvPr id="8" name="TextBox 7">
             <a:extLst>
               <a:ext uri="{FF2B5EF4-FFF2-40B4-BE49-F238E27FC236}">
-                <a16:creationId xmlns="" xmlns:a16="http://schemas.microsoft.com/office/drawing/2014/main" id="{0E3553D2-4CC5-4AF8-9624-0BE47C1FBA8F}"/>
+                <a16:creationId xmlns:a16="http://schemas.microsoft.com/office/drawing/2014/main" xmlns="" id="{0E3553D2-4CC5-4AF8-9624-0BE47C1FBA8F}"/>
               </a:ext>
             </a:extLst>
           </p:cNvPr>
@@ -9092,7 +8910,7 @@
           <p:cNvPr id="6" name="Прямоугольник 5">
             <a:extLst>
               <a:ext uri="{FF2B5EF4-FFF2-40B4-BE49-F238E27FC236}">
-                <a16:creationId xmlns="" xmlns:a16="http://schemas.microsoft.com/office/drawing/2014/main" id="{D29D7713-F574-4AEF-977E-4D69A26E9D1A}"/>
+                <a16:creationId xmlns:a16="http://schemas.microsoft.com/office/drawing/2014/main" xmlns="" id="{D29D7713-F574-4AEF-977E-4D69A26E9D1A}"/>
               </a:ext>
             </a:extLst>
           </p:cNvPr>
@@ -10336,7 +10154,7 @@
           <p:cNvPr id="6" name="Прямоугольник 5">
             <a:extLst>
               <a:ext uri="{FF2B5EF4-FFF2-40B4-BE49-F238E27FC236}">
-                <a16:creationId xmlns="" xmlns:a16="http://schemas.microsoft.com/office/drawing/2014/main" id="{D29D7713-F574-4AEF-977E-4D69A26E9D1A}"/>
+                <a16:creationId xmlns:a16="http://schemas.microsoft.com/office/drawing/2014/main" xmlns="" id="{D29D7713-F574-4AEF-977E-4D69A26E9D1A}"/>
               </a:ext>
             </a:extLst>
           </p:cNvPr>
@@ -11599,7 +11417,7 @@
           <p:cNvPr id="6" name="Прямоугольник 5">
             <a:extLst>
               <a:ext uri="{FF2B5EF4-FFF2-40B4-BE49-F238E27FC236}">
-                <a16:creationId xmlns="" xmlns:a16="http://schemas.microsoft.com/office/drawing/2014/main" id="{D29D7713-F574-4AEF-977E-4D69A26E9D1A}"/>
+                <a16:creationId xmlns:a16="http://schemas.microsoft.com/office/drawing/2014/main" xmlns="" id="{D29D7713-F574-4AEF-977E-4D69A26E9D1A}"/>
               </a:ext>
             </a:extLst>
           </p:cNvPr>
@@ -12187,7 +12005,7 @@
           <p:cNvPr id="23" name="TextBox 22">
             <a:extLst>
               <a:ext uri="{FF2B5EF4-FFF2-40B4-BE49-F238E27FC236}">
-                <a16:creationId xmlns="" xmlns:a16="http://schemas.microsoft.com/office/drawing/2014/main" id="{99DF0FE0-DB9D-4180-8370-CD26FB46DF57}"/>
+                <a16:creationId xmlns:a16="http://schemas.microsoft.com/office/drawing/2014/main" xmlns="" id="{99DF0FE0-DB9D-4180-8370-CD26FB46DF57}"/>
               </a:ext>
             </a:extLst>
           </p:cNvPr>
@@ -12634,7 +12452,7 @@
           <p:cNvPr id="11" name="Rectangle 28" descr="Светлый диагональный 2">
             <a:extLst>
               <a:ext uri="{FF2B5EF4-FFF2-40B4-BE49-F238E27FC236}">
-                <a16:creationId xmlns="" xmlns:a16="http://schemas.microsoft.com/office/drawing/2014/main" id="{2A0E99F7-A4CC-4E8F-8C74-D6A03276576B}"/>
+                <a16:creationId xmlns:a16="http://schemas.microsoft.com/office/drawing/2014/main" xmlns="" id="{2A0E99F7-A4CC-4E8F-8C74-D6A03276576B}"/>
               </a:ext>
             </a:extLst>
           </p:cNvPr>
@@ -12800,7 +12618,7 @@
           <p:cNvPr id="23" name="TextBox 22">
             <a:extLst>
               <a:ext uri="{FF2B5EF4-FFF2-40B4-BE49-F238E27FC236}">
-                <a16:creationId xmlns="" xmlns:a16="http://schemas.microsoft.com/office/drawing/2014/main" id="{99DF0FE0-DB9D-4180-8370-CD26FB46DF57}"/>
+                <a16:creationId xmlns:a16="http://schemas.microsoft.com/office/drawing/2014/main" xmlns="" id="{99DF0FE0-DB9D-4180-8370-CD26FB46DF57}"/>
               </a:ext>
             </a:extLst>
           </p:cNvPr>
@@ -13330,7 +13148,7 @@
           <p:cNvPr id="23" name="TextBox 22">
             <a:extLst>
               <a:ext uri="{FF2B5EF4-FFF2-40B4-BE49-F238E27FC236}">
-                <a16:creationId xmlns="" xmlns:a16="http://schemas.microsoft.com/office/drawing/2014/main" id="{99DF0FE0-DB9D-4180-8370-CD26FB46DF57}"/>
+                <a16:creationId xmlns:a16="http://schemas.microsoft.com/office/drawing/2014/main" xmlns="" id="{99DF0FE0-DB9D-4180-8370-CD26FB46DF57}"/>
               </a:ext>
             </a:extLst>
           </p:cNvPr>
@@ -14069,12 +13887,6 @@
               </a:rPr>
               <a:t>"</a:t>
             </a:r>
-            <a:endParaRPr lang="ru-RU" sz="2400" dirty="0" smtClean="0">
-              <a:solidFill>
-                <a:srgbClr val="008000"/>
-              </a:solidFill>
-              <a:latin typeface="Cascadia Mono" panose="020B0609020000020004" pitchFamily="49" charset="0"/>
-            </a:endParaRPr>
           </a:p>
           <a:p>
             <a:pPr algn="just"/>
@@ -14282,7 +14094,7 @@
           <p:cNvPr id="23" name="TextBox 22">
             <a:extLst>
               <a:ext uri="{FF2B5EF4-FFF2-40B4-BE49-F238E27FC236}">
-                <a16:creationId xmlns="" xmlns:a16="http://schemas.microsoft.com/office/drawing/2014/main" id="{99DF0FE0-DB9D-4180-8370-CD26FB46DF57}"/>
+                <a16:creationId xmlns:a16="http://schemas.microsoft.com/office/drawing/2014/main" xmlns="" id="{99DF0FE0-DB9D-4180-8370-CD26FB46DF57}"/>
               </a:ext>
             </a:extLst>
           </p:cNvPr>
@@ -15558,7 +15370,7 @@
           <p:cNvPr id="23" name="TextBox 22">
             <a:extLst>
               <a:ext uri="{FF2B5EF4-FFF2-40B4-BE49-F238E27FC236}">
-                <a16:creationId xmlns="" xmlns:a16="http://schemas.microsoft.com/office/drawing/2014/main" id="{99DF0FE0-DB9D-4180-8370-CD26FB46DF57}"/>
+                <a16:creationId xmlns:a16="http://schemas.microsoft.com/office/drawing/2014/main" xmlns="" id="{99DF0FE0-DB9D-4180-8370-CD26FB46DF57}"/>
               </a:ext>
             </a:extLst>
           </p:cNvPr>
@@ -16182,7 +15994,7 @@
           <p:cNvPr id="23" name="TextBox 22">
             <a:extLst>
               <a:ext uri="{FF2B5EF4-FFF2-40B4-BE49-F238E27FC236}">
-                <a16:creationId xmlns="" xmlns:a16="http://schemas.microsoft.com/office/drawing/2014/main" id="{99DF0FE0-DB9D-4180-8370-CD26FB46DF57}"/>
+                <a16:creationId xmlns:a16="http://schemas.microsoft.com/office/drawing/2014/main" xmlns="" id="{99DF0FE0-DB9D-4180-8370-CD26FB46DF57}"/>
               </a:ext>
             </a:extLst>
           </p:cNvPr>
@@ -16715,7 +16527,7 @@
           <p:cNvPr id="23" name="TextBox 22">
             <a:extLst>
               <a:ext uri="{FF2B5EF4-FFF2-40B4-BE49-F238E27FC236}">
-                <a16:creationId xmlns="" xmlns:a16="http://schemas.microsoft.com/office/drawing/2014/main" id="{99DF0FE0-DB9D-4180-8370-CD26FB46DF57}"/>
+                <a16:creationId xmlns:a16="http://schemas.microsoft.com/office/drawing/2014/main" xmlns="" id="{99DF0FE0-DB9D-4180-8370-CD26FB46DF57}"/>
               </a:ext>
             </a:extLst>
           </p:cNvPr>
@@ -17219,7 +17031,7 @@
           <p:cNvPr id="23" name="TextBox 22">
             <a:extLst>
               <a:ext uri="{FF2B5EF4-FFF2-40B4-BE49-F238E27FC236}">
-                <a16:creationId xmlns="" xmlns:a16="http://schemas.microsoft.com/office/drawing/2014/main" id="{99DF0FE0-DB9D-4180-8370-CD26FB46DF57}"/>
+                <a16:creationId xmlns:a16="http://schemas.microsoft.com/office/drawing/2014/main" xmlns="" id="{99DF0FE0-DB9D-4180-8370-CD26FB46DF57}"/>
               </a:ext>
             </a:extLst>
           </p:cNvPr>
@@ -17800,7 +17612,7 @@
           <p:cNvPr id="23" name="TextBox 22">
             <a:extLst>
               <a:ext uri="{FF2B5EF4-FFF2-40B4-BE49-F238E27FC236}">
-                <a16:creationId xmlns="" xmlns:a16="http://schemas.microsoft.com/office/drawing/2014/main" id="{99DF0FE0-DB9D-4180-8370-CD26FB46DF57}"/>
+                <a16:creationId xmlns:a16="http://schemas.microsoft.com/office/drawing/2014/main" xmlns="" id="{99DF0FE0-DB9D-4180-8370-CD26FB46DF57}"/>
               </a:ext>
             </a:extLst>
           </p:cNvPr>
@@ -18299,7 +18111,7 @@
           <p:cNvPr id="23" name="TextBox 22">
             <a:extLst>
               <a:ext uri="{FF2B5EF4-FFF2-40B4-BE49-F238E27FC236}">
-                <a16:creationId xmlns="" xmlns:a16="http://schemas.microsoft.com/office/drawing/2014/main" id="{99DF0FE0-DB9D-4180-8370-CD26FB46DF57}"/>
+                <a16:creationId xmlns:a16="http://schemas.microsoft.com/office/drawing/2014/main" xmlns="" id="{99DF0FE0-DB9D-4180-8370-CD26FB46DF57}"/>
               </a:ext>
             </a:extLst>
           </p:cNvPr>
@@ -18717,7 +18529,7 @@
           <p:cNvPr id="23" name="TextBox 22">
             <a:extLst>
               <a:ext uri="{FF2B5EF4-FFF2-40B4-BE49-F238E27FC236}">
-                <a16:creationId xmlns="" xmlns:a16="http://schemas.microsoft.com/office/drawing/2014/main" id="{99DF0FE0-DB9D-4180-8370-CD26FB46DF57}"/>
+                <a16:creationId xmlns:a16="http://schemas.microsoft.com/office/drawing/2014/main" xmlns="" id="{99DF0FE0-DB9D-4180-8370-CD26FB46DF57}"/>
               </a:ext>
             </a:extLst>
           </p:cNvPr>
@@ -19299,7 +19111,7 @@
           <p:cNvPr id="23" name="TextBox 22">
             <a:extLst>
               <a:ext uri="{FF2B5EF4-FFF2-40B4-BE49-F238E27FC236}">
-                <a16:creationId xmlns="" xmlns:a16="http://schemas.microsoft.com/office/drawing/2014/main" id="{99DF0FE0-DB9D-4180-8370-CD26FB46DF57}"/>
+                <a16:creationId xmlns:a16="http://schemas.microsoft.com/office/drawing/2014/main" xmlns="" id="{99DF0FE0-DB9D-4180-8370-CD26FB46DF57}"/>
               </a:ext>
             </a:extLst>
           </p:cNvPr>
@@ -19853,7 +19665,7 @@
           <p:cNvPr id="23" name="TextBox 22">
             <a:extLst>
               <a:ext uri="{FF2B5EF4-FFF2-40B4-BE49-F238E27FC236}">
-                <a16:creationId xmlns="" xmlns:a16="http://schemas.microsoft.com/office/drawing/2014/main" id="{99DF0FE0-DB9D-4180-8370-CD26FB46DF57}"/>
+                <a16:creationId xmlns:a16="http://schemas.microsoft.com/office/drawing/2014/main" xmlns="" id="{99DF0FE0-DB9D-4180-8370-CD26FB46DF57}"/>
               </a:ext>
             </a:extLst>
           </p:cNvPr>
@@ -20701,7 +20513,7 @@
           <p:cNvPr id="17" name="TextBox 16">
             <a:extLst>
               <a:ext uri="{FF2B5EF4-FFF2-40B4-BE49-F238E27FC236}">
-                <a16:creationId xmlns="" xmlns:a16="http://schemas.microsoft.com/office/drawing/2014/main" id="{30597B7C-51FB-4AA2-A3AF-E1497F92AD6B}"/>
+                <a16:creationId xmlns:a16="http://schemas.microsoft.com/office/drawing/2014/main" xmlns="" id="{30597B7C-51FB-4AA2-A3AF-E1497F92AD6B}"/>
               </a:ext>
             </a:extLst>
           </p:cNvPr>
@@ -21259,7 +21071,7 @@
           <p:cNvPr id="20" name="Прямоугольник 19">
             <a:extLst>
               <a:ext uri="{FF2B5EF4-FFF2-40B4-BE49-F238E27FC236}">
-                <a16:creationId xmlns="" xmlns:a16="http://schemas.microsoft.com/office/drawing/2014/main" id="{94853BEC-DBEC-49F1-86BC-81D6BA3F55BD}"/>
+                <a16:creationId xmlns:a16="http://schemas.microsoft.com/office/drawing/2014/main" xmlns="" id="{94853BEC-DBEC-49F1-86BC-81D6BA3F55BD}"/>
               </a:ext>
             </a:extLst>
           </p:cNvPr>
@@ -21312,7 +21124,7 @@
           <p:cNvPr id="21" name="Прямая со стрелкой 20">
             <a:extLst>
               <a:ext uri="{FF2B5EF4-FFF2-40B4-BE49-F238E27FC236}">
-                <a16:creationId xmlns="" xmlns:a16="http://schemas.microsoft.com/office/drawing/2014/main" id="{C719D22E-7A81-42F0-A31E-BC4E43FF9253}"/>
+                <a16:creationId xmlns:a16="http://schemas.microsoft.com/office/drawing/2014/main" xmlns="" id="{C719D22E-7A81-42F0-A31E-BC4E43FF9253}"/>
               </a:ext>
             </a:extLst>
           </p:cNvPr>
@@ -21354,7 +21166,7 @@
           <p:cNvPr id="35" name="Прямоугольник 34">
             <a:extLst>
               <a:ext uri="{FF2B5EF4-FFF2-40B4-BE49-F238E27FC236}">
-                <a16:creationId xmlns="" xmlns:a16="http://schemas.microsoft.com/office/drawing/2014/main" id="{70299FCB-7EC9-4EB9-9D4F-847872EAEBD1}"/>
+                <a16:creationId xmlns:a16="http://schemas.microsoft.com/office/drawing/2014/main" xmlns="" id="{70299FCB-7EC9-4EB9-9D4F-847872EAEBD1}"/>
               </a:ext>
             </a:extLst>
           </p:cNvPr>
@@ -21407,7 +21219,7 @@
           <p:cNvPr id="36" name="Прямая со стрелкой 35">
             <a:extLst>
               <a:ext uri="{FF2B5EF4-FFF2-40B4-BE49-F238E27FC236}">
-                <a16:creationId xmlns="" xmlns:a16="http://schemas.microsoft.com/office/drawing/2014/main" id="{C58D3AAA-D45D-4095-9446-BD0496223807}"/>
+                <a16:creationId xmlns:a16="http://schemas.microsoft.com/office/drawing/2014/main" xmlns="" id="{C58D3AAA-D45D-4095-9446-BD0496223807}"/>
               </a:ext>
             </a:extLst>
           </p:cNvPr>
@@ -21449,7 +21261,7 @@
           <p:cNvPr id="40" name="Прямоугольник 39">
             <a:extLst>
               <a:ext uri="{FF2B5EF4-FFF2-40B4-BE49-F238E27FC236}">
-                <a16:creationId xmlns="" xmlns:a16="http://schemas.microsoft.com/office/drawing/2014/main" id="{4A717210-C833-4149-AE10-144F56CC20E7}"/>
+                <a16:creationId xmlns:a16="http://schemas.microsoft.com/office/drawing/2014/main" xmlns="" id="{4A717210-C833-4149-AE10-144F56CC20E7}"/>
               </a:ext>
             </a:extLst>
           </p:cNvPr>
@@ -21502,7 +21314,7 @@
           <p:cNvPr id="41" name="Прямая со стрелкой 40">
             <a:extLst>
               <a:ext uri="{FF2B5EF4-FFF2-40B4-BE49-F238E27FC236}">
-                <a16:creationId xmlns="" xmlns:a16="http://schemas.microsoft.com/office/drawing/2014/main" id="{18840542-311F-4828-BFBA-17E4959592FD}"/>
+                <a16:creationId xmlns:a16="http://schemas.microsoft.com/office/drawing/2014/main" xmlns="" id="{18840542-311F-4828-BFBA-17E4959592FD}"/>
               </a:ext>
             </a:extLst>
           </p:cNvPr>
@@ -21544,7 +21356,7 @@
           <p:cNvPr id="46" name="Прямоугольник 45">
             <a:extLst>
               <a:ext uri="{FF2B5EF4-FFF2-40B4-BE49-F238E27FC236}">
-                <a16:creationId xmlns="" xmlns:a16="http://schemas.microsoft.com/office/drawing/2014/main" id="{C09C2093-30C3-4A2B-9926-03B6C3042F3E}"/>
+                <a16:creationId xmlns:a16="http://schemas.microsoft.com/office/drawing/2014/main" xmlns="" id="{C09C2093-30C3-4A2B-9926-03B6C3042F3E}"/>
               </a:ext>
             </a:extLst>
           </p:cNvPr>
@@ -21597,7 +21409,7 @@
           <p:cNvPr id="48" name="Прямая со стрелкой 47">
             <a:extLst>
               <a:ext uri="{FF2B5EF4-FFF2-40B4-BE49-F238E27FC236}">
-                <a16:creationId xmlns="" xmlns:a16="http://schemas.microsoft.com/office/drawing/2014/main" id="{E29F1145-900A-45A0-9606-7F525626C089}"/>
+                <a16:creationId xmlns:a16="http://schemas.microsoft.com/office/drawing/2014/main" xmlns="" id="{E29F1145-900A-45A0-9606-7F525626C089}"/>
               </a:ext>
             </a:extLst>
           </p:cNvPr>
@@ -21639,7 +21451,7 @@
           <p:cNvPr id="50" name="Прямоугольник 49">
             <a:extLst>
               <a:ext uri="{FF2B5EF4-FFF2-40B4-BE49-F238E27FC236}">
-                <a16:creationId xmlns="" xmlns:a16="http://schemas.microsoft.com/office/drawing/2014/main" id="{7CFF1EF1-6FD9-4AAA-AFE1-154D0322FD43}"/>
+                <a16:creationId xmlns:a16="http://schemas.microsoft.com/office/drawing/2014/main" xmlns="" id="{7CFF1EF1-6FD9-4AAA-AFE1-154D0322FD43}"/>
               </a:ext>
             </a:extLst>
           </p:cNvPr>
@@ -21813,7 +21625,7 @@
         <p:spPr>
           <a:xfrm>
             <a:off x="0" y="0"/>
-            <a:ext cx="12192000" cy="6740307"/>
+            <a:ext cx="12192000" cy="6370975"/>
           </a:xfrm>
           <a:prstGeom prst="rect">
             <a:avLst/>
@@ -21851,7 +21663,7 @@
           </a:p>
           <a:p>
             <a:r>
-              <a:rPr lang="en-US" sz="2400" dirty="0" err="1">
+              <a:rPr lang="en-US" sz="2400" dirty="0" err="1" smtClean="0">
                 <a:solidFill>
                   <a:srgbClr val="0000FF"/>
                 </a:solidFill>
@@ -21860,63 +21672,7 @@
               <a:t>var</a:t>
             </a:r>
             <a:r>
-              <a:rPr lang="en-US" sz="2400" dirty="0">
-                <a:solidFill>
-                  <a:srgbClr val="000000"/>
-                </a:solidFill>
-                <a:latin typeface="Cascadia Mono" panose="020B0609020000020004" pitchFamily="49" charset="0"/>
-              </a:rPr>
-              <a:t> </a:t>
-            </a:r>
-            <a:r>
-              <a:rPr lang="en-US" sz="2400" dirty="0" err="1">
-                <a:solidFill>
-                  <a:srgbClr val="000000"/>
-                </a:solidFill>
-                <a:latin typeface="Cascadia Mono" panose="020B0609020000020004" pitchFamily="49" charset="0"/>
-              </a:rPr>
-              <a:t>str</a:t>
-            </a:r>
-            <a:r>
-              <a:rPr lang="en-US" sz="2400" dirty="0">
-                <a:solidFill>
-                  <a:srgbClr val="000000"/>
-                </a:solidFill>
-                <a:latin typeface="Cascadia Mono" panose="020B0609020000020004" pitchFamily="49" charset="0"/>
-              </a:rPr>
-              <a:t> = </a:t>
-            </a:r>
-            <a:r>
-              <a:rPr lang="en-US" sz="2400" dirty="0">
-                <a:solidFill>
-                  <a:srgbClr val="A31515"/>
-                </a:solidFill>
-                <a:latin typeface="Cascadia Mono" panose="020B0609020000020004" pitchFamily="49" charset="0"/>
-              </a:rPr>
-              <a:t>""</a:t>
-            </a:r>
-            <a:r>
-              <a:rPr lang="en-US" sz="2400" dirty="0">
-                <a:solidFill>
-                  <a:srgbClr val="000000"/>
-                </a:solidFill>
-                <a:latin typeface="Cascadia Mono" panose="020B0609020000020004" pitchFamily="49" charset="0"/>
-              </a:rPr>
-              <a:t>;</a:t>
-            </a:r>
-          </a:p>
-          <a:p>
-            <a:r>
-              <a:rPr lang="en-US" sz="2400" dirty="0" err="1">
-                <a:solidFill>
-                  <a:srgbClr val="0000FF"/>
-                </a:solidFill>
-                <a:latin typeface="Cascadia Mono" panose="020B0609020000020004" pitchFamily="49" charset="0"/>
-              </a:rPr>
-              <a:t>var</a:t>
-            </a:r>
-            <a:r>
-              <a:rPr lang="en-US" sz="2400" dirty="0">
+              <a:rPr lang="en-US" sz="2400" dirty="0" smtClean="0">
                 <a:solidFill>
                   <a:srgbClr val="000000"/>
                 </a:solidFill>
@@ -22491,7 +22247,7 @@
         <p:spPr>
           <a:xfrm>
             <a:off x="0" y="0"/>
-            <a:ext cx="12192000" cy="3046988"/>
+            <a:ext cx="12192000" cy="3785652"/>
           </a:xfrm>
           <a:prstGeom prst="rect">
             <a:avLst/>
@@ -22502,6 +22258,70 @@
             <a:spAutoFit/>
           </a:bodyPr>
           <a:lstStyle/>
+          <a:p>
+            <a:endParaRPr lang="en-US" sz="2400" dirty="0" smtClean="0">
+              <a:solidFill>
+                <a:srgbClr val="0000FF"/>
+              </a:solidFill>
+              <a:latin typeface="Cascadia Mono" panose="020B0609020000020004" pitchFamily="49" charset="0"/>
+            </a:endParaRPr>
+          </a:p>
+          <a:p>
+            <a:r>
+              <a:rPr lang="en-US" sz="2400" dirty="0" err="1" smtClean="0">
+                <a:solidFill>
+                  <a:srgbClr val="0000FF"/>
+                </a:solidFill>
+                <a:latin typeface="Cascadia Mono" panose="020B0609020000020004" pitchFamily="49" charset="0"/>
+              </a:rPr>
+              <a:t>var</a:t>
+            </a:r>
+            <a:r>
+              <a:rPr lang="en-US" sz="2400" dirty="0" smtClean="0">
+                <a:solidFill>
+                  <a:srgbClr val="000000"/>
+                </a:solidFill>
+                <a:latin typeface="Cascadia Mono" panose="020B0609020000020004" pitchFamily="49" charset="0"/>
+              </a:rPr>
+              <a:t> </a:t>
+            </a:r>
+            <a:r>
+              <a:rPr lang="en-US" sz="2400" dirty="0" err="1">
+                <a:solidFill>
+                  <a:srgbClr val="000000"/>
+                </a:solidFill>
+                <a:latin typeface="Cascadia Mono" panose="020B0609020000020004" pitchFamily="49" charset="0"/>
+              </a:rPr>
+              <a:t>str</a:t>
+            </a:r>
+            <a:r>
+              <a:rPr lang="en-US" sz="2400" dirty="0">
+                <a:solidFill>
+                  <a:srgbClr val="000000"/>
+                </a:solidFill>
+                <a:latin typeface="Cascadia Mono" panose="020B0609020000020004" pitchFamily="49" charset="0"/>
+              </a:rPr>
+              <a:t> = </a:t>
+            </a:r>
+            <a:r>
+              <a:rPr lang="en-US" sz="2400" dirty="0">
+                <a:solidFill>
+                  <a:srgbClr val="A31515"/>
+                </a:solidFill>
+                <a:latin typeface="Cascadia Mono" panose="020B0609020000020004" pitchFamily="49" charset="0"/>
+              </a:rPr>
+              <a:t>""</a:t>
+            </a:r>
+            <a:r>
+              <a:rPr lang="en-US" sz="2400" dirty="0">
+                <a:solidFill>
+                  <a:srgbClr val="000000"/>
+                </a:solidFill>
+                <a:latin typeface="Cascadia Mono" panose="020B0609020000020004" pitchFamily="49" charset="0"/>
+              </a:rPr>
+              <a:t>;</a:t>
+            </a:r>
+          </a:p>
           <a:p>
             <a:endParaRPr lang="ru-RU" sz="2400" dirty="0">
               <a:solidFill>
@@ -23698,649 +23518,6 @@
 </p:sld>
 </file>
 
-<file path=ppt/slides/slide34.xml><?xml version="1.0" encoding="utf-8"?>
-<p:sld xmlns:a="http://schemas.openxmlformats.org/drawingml/2006/main" xmlns:r="http://schemas.openxmlformats.org/officeDocument/2006/relationships" xmlns:p="http://schemas.openxmlformats.org/presentationml/2006/main">
-  <p:cSld>
-    <p:spTree>
-      <p:nvGrpSpPr>
-        <p:cNvPr id="1" name=""/>
-        <p:cNvGrpSpPr/>
-        <p:nvPr/>
-      </p:nvGrpSpPr>
-      <p:grpSpPr>
-        <a:xfrm>
-          <a:off x="0" y="0"/>
-          <a:ext cx="0" cy="0"/>
-          <a:chOff x="0" y="0"/>
-          <a:chExt cx="0" cy="0"/>
-        </a:xfrm>
-      </p:grpSpPr>
-      <p:sp>
-        <p:nvSpPr>
-          <p:cNvPr id="47" name="Rectangle 26"/>
-          <p:cNvSpPr>
-            <a:spLocks noChangeArrowheads="1"/>
-          </p:cNvSpPr>
-          <p:nvPr/>
-        </p:nvSpPr>
-        <p:spPr bwMode="auto">
-          <a:xfrm>
-            <a:off x="6147240" y="1887472"/>
-            <a:ext cx="138564" cy="276999"/>
-          </a:xfrm>
-          <a:prstGeom prst="rect">
-            <a:avLst/>
-          </a:prstGeom>
-          <a:noFill/>
-          <a:ln>
-            <a:noFill/>
-          </a:ln>
-          <a:effectLst/>
-          <a:extLst>
-            <a:ext uri="{909E8E84-426E-40DD-AFC4-6F175D3DCCD1}">
-              <a14:hiddenFill xmlns:a14="http://schemas.microsoft.com/office/drawing/2010/main">
-                <a:solidFill>
-                  <a:schemeClr val="accent1"/>
-                </a:solidFill>
-              </a14:hiddenFill>
-            </a:ext>
-            <a:ext uri="{91240B29-F687-4F45-9708-019B960494DF}">
-              <a14:hiddenLine xmlns:a14="http://schemas.microsoft.com/office/drawing/2010/main" w="9525">
-                <a:solidFill>
-                  <a:schemeClr val="tx1"/>
-                </a:solidFill>
-                <a:miter lim="800000"/>
-                <a:headEnd/>
-                <a:tailEnd/>
-              </a14:hiddenLine>
-            </a:ext>
-            <a:ext uri="{AF507438-7753-43E0-B8FC-AC1667EBCBE1}">
-              <a14:hiddenEffects xmlns:a14="http://schemas.microsoft.com/office/drawing/2010/main">
-                <a:effectLst>
-                  <a:outerShdw dist="35921" dir="2700000" algn="ctr" rotWithShape="0">
-                    <a:schemeClr val="bg2"/>
-                  </a:outerShdw>
-                </a:effectLst>
-              </a14:hiddenEffects>
-            </a:ext>
-          </a:extLst>
-        </p:spPr>
-        <p:txBody>
-          <a:bodyPr vert="horz" wrap="none" lIns="68580" tIns="34290" rIns="68580" bIns="34290" numCol="1" anchor="ctr" anchorCtr="0" compatLnSpc="1">
-            <a:prstTxWarp prst="textNoShape">
-              <a:avLst/>
-            </a:prstTxWarp>
-            <a:spAutoFit/>
-          </a:bodyPr>
-          <a:lstStyle/>
-          <a:p>
-            <a:endParaRPr lang="en-US" sz="1350"/>
-          </a:p>
-        </p:txBody>
-      </p:sp>
-      <p:sp>
-        <p:nvSpPr>
-          <p:cNvPr id="25" name="TextBox 24">
-            <a:extLst>
-              <a:ext uri="{FF2B5EF4-FFF2-40B4-BE49-F238E27FC236}">
-                <a16:creationId xmlns="" xmlns:a16="http://schemas.microsoft.com/office/drawing/2014/main" id="{A3B76C38-5C63-40EA-9C87-3E38ECF3DF17}"/>
-              </a:ext>
-            </a:extLst>
-          </p:cNvPr>
-          <p:cNvSpPr txBox="1"/>
-          <p:nvPr/>
-        </p:nvSpPr>
-        <p:spPr>
-          <a:xfrm>
-            <a:off x="40051" y="634052"/>
-            <a:ext cx="12111897" cy="6223948"/>
-          </a:xfrm>
-          <a:prstGeom prst="rect">
-            <a:avLst/>
-          </a:prstGeom>
-          <a:noFill/>
-        </p:spPr>
-        <p:txBody>
-          <a:bodyPr wrap="square">
-            <a:spAutoFit/>
-          </a:bodyPr>
-          <a:lstStyle/>
-          <a:p>
-            <a:pPr>
-              <a:lnSpc>
-                <a:spcPct val="110000"/>
-              </a:lnSpc>
-            </a:pPr>
-            <a:r>
-              <a:rPr lang="ru-RU" sz="2800" b="1" dirty="0" smtClean="0">
-                <a:latin typeface="Bookman Old Style" panose="02050604050505020204" pitchFamily="18" charset="0"/>
-              </a:rPr>
-              <a:t>Задача:</a:t>
-            </a:r>
-          </a:p>
-          <a:p>
-            <a:pPr>
-              <a:lnSpc>
-                <a:spcPct val="110000"/>
-              </a:lnSpc>
-            </a:pPr>
-            <a:r>
-              <a:rPr lang="ru-RU" sz="2800" dirty="0" smtClean="0">
-                <a:latin typeface="Bookman Old Style" panose="02050604050505020204" pitchFamily="18" charset="0"/>
-              </a:rPr>
-              <a:t>В магазине хотят сделать базу данных товаров. У каждого вида товаров должен быть свой уникальный код (произвольное целое число), также у товара должно быть название в читаемом виде (строка).</a:t>
-            </a:r>
-          </a:p>
-          <a:p>
-            <a:pPr>
-              <a:lnSpc>
-                <a:spcPct val="110000"/>
-              </a:lnSpc>
-            </a:pPr>
-            <a:endParaRPr lang="ru-RU" sz="2800" dirty="0">
-              <a:latin typeface="Bookman Old Style" panose="02050604050505020204" pitchFamily="18" charset="0"/>
-            </a:endParaRPr>
-          </a:p>
-          <a:p>
-            <a:pPr>
-              <a:lnSpc>
-                <a:spcPct val="110000"/>
-              </a:lnSpc>
-            </a:pPr>
-            <a:r>
-              <a:rPr lang="ru-RU" sz="2800" dirty="0" smtClean="0">
-                <a:latin typeface="Bookman Old Style" panose="02050604050505020204" pitchFamily="18" charset="0"/>
-              </a:rPr>
-              <a:t>Какую коллекцию необходимо использовать для проектирования данной системы? </a:t>
-            </a:r>
-          </a:p>
-          <a:p>
-            <a:pPr>
-              <a:lnSpc>
-                <a:spcPct val="110000"/>
-              </a:lnSpc>
-            </a:pPr>
-            <a:endParaRPr lang="ru-RU" sz="2800" dirty="0" smtClean="0">
-              <a:latin typeface="Bookman Old Style" panose="02050604050505020204" pitchFamily="18" charset="0"/>
-            </a:endParaRPr>
-          </a:p>
-          <a:p>
-            <a:pPr>
-              <a:lnSpc>
-                <a:spcPct val="110000"/>
-              </a:lnSpc>
-            </a:pPr>
-            <a:r>
-              <a:rPr lang="ru-RU" sz="2800" dirty="0" smtClean="0">
-                <a:latin typeface="Bookman Old Style" panose="02050604050505020204" pitchFamily="18" charset="0"/>
-              </a:rPr>
-              <a:t>Примеры товаров</a:t>
-            </a:r>
-            <a:r>
-              <a:rPr lang="en-US" sz="2800" dirty="0" smtClean="0">
-                <a:latin typeface="Bookman Old Style" panose="02050604050505020204" pitchFamily="18" charset="0"/>
-              </a:rPr>
-              <a:t> </a:t>
-            </a:r>
-            <a:r>
-              <a:rPr lang="ru-RU" sz="2800" dirty="0" smtClean="0">
-                <a:latin typeface="Bookman Old Style" panose="02050604050505020204" pitchFamily="18" charset="0"/>
-              </a:rPr>
-              <a:t>в коллекции:</a:t>
-            </a:r>
-          </a:p>
-          <a:p>
-            <a:pPr>
-              <a:lnSpc>
-                <a:spcPct val="110000"/>
-              </a:lnSpc>
-            </a:pPr>
-            <a:r>
-              <a:rPr lang="en-US" sz="2800" dirty="0" smtClean="0">
-                <a:latin typeface="Bookman Old Style" panose="02050604050505020204" pitchFamily="18" charset="0"/>
-              </a:rPr>
-              <a:t>id: 578; Name: “</a:t>
-            </a:r>
-            <a:r>
-              <a:rPr lang="ru-RU" sz="2800" dirty="0" smtClean="0">
-                <a:latin typeface="Bookman Old Style" panose="02050604050505020204" pitchFamily="18" charset="0"/>
-              </a:rPr>
-              <a:t>Хлеб пшеничный</a:t>
-            </a:r>
-            <a:r>
-              <a:rPr lang="en-US" sz="2800" dirty="0" smtClean="0">
-                <a:latin typeface="Bookman Old Style" panose="02050604050505020204" pitchFamily="18" charset="0"/>
-              </a:rPr>
-              <a:t>”</a:t>
-            </a:r>
-          </a:p>
-          <a:p>
-            <a:pPr>
-              <a:lnSpc>
-                <a:spcPct val="110000"/>
-              </a:lnSpc>
-            </a:pPr>
-            <a:r>
-              <a:rPr lang="en-US" sz="2800" dirty="0" smtClean="0">
-                <a:latin typeface="Bookman Old Style" panose="02050604050505020204" pitchFamily="18" charset="0"/>
-              </a:rPr>
-              <a:t>id: 931; Name: “</a:t>
-            </a:r>
-            <a:r>
-              <a:rPr lang="ru-RU" sz="2800" dirty="0" smtClean="0">
-                <a:latin typeface="Bookman Old Style" panose="02050604050505020204" pitchFamily="18" charset="0"/>
-              </a:rPr>
-              <a:t>Масло подсолнечное</a:t>
-            </a:r>
-            <a:r>
-              <a:rPr lang="en-US" sz="2800" dirty="0" smtClean="0">
-                <a:latin typeface="Bookman Old Style" panose="02050604050505020204" pitchFamily="18" charset="0"/>
-              </a:rPr>
-              <a:t>”</a:t>
-            </a:r>
-            <a:endParaRPr lang="ru-RU" sz="2800" dirty="0" smtClean="0">
-              <a:latin typeface="Bookman Old Style" panose="02050604050505020204" pitchFamily="18" charset="0"/>
-            </a:endParaRPr>
-          </a:p>
-          <a:p>
-            <a:pPr>
-              <a:lnSpc>
-                <a:spcPct val="110000"/>
-              </a:lnSpc>
-            </a:pPr>
-            <a:r>
-              <a:rPr lang="en-US" sz="2800" dirty="0" smtClean="0">
-                <a:latin typeface="Bookman Old Style" panose="02050604050505020204" pitchFamily="18" charset="0"/>
-              </a:rPr>
-              <a:t>id: 120; Name: “</a:t>
-            </a:r>
-            <a:r>
-              <a:rPr lang="ru-RU" sz="2800" dirty="0" smtClean="0">
-                <a:latin typeface="Bookman Old Style" panose="02050604050505020204" pitchFamily="18" charset="0"/>
-              </a:rPr>
-              <a:t>Сок яблочный</a:t>
-            </a:r>
-            <a:r>
-              <a:rPr lang="en-US" sz="2800" dirty="0" smtClean="0">
-                <a:latin typeface="Bookman Old Style" panose="02050604050505020204" pitchFamily="18" charset="0"/>
-              </a:rPr>
-              <a:t>”</a:t>
-            </a:r>
-          </a:p>
-        </p:txBody>
-      </p:sp>
-      <p:sp>
-        <p:nvSpPr>
-          <p:cNvPr id="9" name="Rectangle 28" descr="Светлый диагональный 2">
-            <a:extLst>
-              <a:ext uri="{FF2B5EF4-FFF2-40B4-BE49-F238E27FC236}">
-                <a16:creationId xmlns="" xmlns:a16="http://schemas.microsoft.com/office/drawing/2014/main" id="{2A0E99F7-A4CC-4E8F-8C74-D6A03276576B}"/>
-              </a:ext>
-            </a:extLst>
-          </p:cNvPr>
-          <p:cNvSpPr>
-            <a:spLocks noChangeArrowheads="1"/>
-          </p:cNvSpPr>
-          <p:nvPr/>
-        </p:nvSpPr>
-        <p:spPr bwMode="auto">
-          <a:xfrm>
-            <a:off x="0" y="-1"/>
-            <a:ext cx="12192000" cy="654357"/>
-          </a:xfrm>
-          <a:prstGeom prst="rect">
-            <a:avLst/>
-          </a:prstGeom>
-          <a:pattFill prst="ltUpDiag">
-            <a:fgClr>
-              <a:schemeClr val="accent1">
-                <a:lumMod val="40000"/>
-                <a:lumOff val="60000"/>
-              </a:schemeClr>
-            </a:fgClr>
-            <a:bgClr>
-              <a:srgbClr val="FFFFFF"/>
-            </a:bgClr>
-          </a:pattFill>
-          <a:ln w="15875" algn="ctr">
-            <a:solidFill>
-              <a:schemeClr val="accent5">
-                <a:lumMod val="50000"/>
-              </a:schemeClr>
-            </a:solidFill>
-            <a:miter lim="800000"/>
-            <a:headEnd/>
-            <a:tailEnd/>
-          </a:ln>
-          <a:effectLst/>
-        </p:spPr>
-        <p:txBody>
-          <a:bodyPr vert="horz" wrap="square" lIns="18000" tIns="18000" rIns="18000" bIns="18000" numCol="1" anchor="ctr" anchorCtr="0" compatLnSpc="1">
-            <a:prstTxWarp prst="textNoShape">
-              <a:avLst/>
-            </a:prstTxWarp>
-          </a:bodyPr>
-          <a:lstStyle/>
-          <a:p>
-            <a:pPr algn="ctr"/>
-            <a:r>
-              <a:rPr lang="ru-RU" sz="2800" b="1" dirty="0">
-                <a:solidFill>
-                  <a:schemeClr val="tx2">
-                    <a:lumMod val="50000"/>
-                  </a:schemeClr>
-                </a:solidFill>
-                <a:latin typeface="Bookman Old Style" panose="02050604050505020204" pitchFamily="18" charset="0"/>
-                <a:cs typeface="Times New Roman" panose="02020603050405020304" pitchFamily="18" charset="0"/>
-              </a:rPr>
-              <a:t>Вопросы</a:t>
-            </a:r>
-          </a:p>
-        </p:txBody>
-      </p:sp>
-    </p:spTree>
-    <p:extLst>
-      <p:ext uri="{BB962C8B-B14F-4D97-AF65-F5344CB8AC3E}">
-        <p14:creationId xmlns:p14="http://schemas.microsoft.com/office/powerpoint/2010/main" val="292945415"/>
-      </p:ext>
-    </p:extLst>
-  </p:cSld>
-  <p:clrMapOvr>
-    <a:masterClrMapping/>
-  </p:clrMapOvr>
-  <mc:AlternateContent xmlns:mc="http://schemas.openxmlformats.org/markup-compatibility/2006" xmlns:p14="http://schemas.microsoft.com/office/powerpoint/2010/main">
-    <mc:Choice Requires="p14">
-      <p:transition spd="slow" p14:dur="2000"/>
-    </mc:Choice>
-    <mc:Fallback xmlns="">
-      <p:transition spd="slow"/>
-    </mc:Fallback>
-  </mc:AlternateContent>
-  <p:timing>
-    <p:tnLst>
-      <p:par>
-        <p:cTn id="1" dur="indefinite" restart="never" nodeType="tmRoot"/>
-      </p:par>
-    </p:tnLst>
-  </p:timing>
-</p:sld>
-</file>
-
-<file path=ppt/slides/slide35.xml><?xml version="1.0" encoding="utf-8"?>
-<p:sld xmlns:a="http://schemas.openxmlformats.org/drawingml/2006/main" xmlns:r="http://schemas.openxmlformats.org/officeDocument/2006/relationships" xmlns:p="http://schemas.openxmlformats.org/presentationml/2006/main">
-  <p:cSld>
-    <p:spTree>
-      <p:nvGrpSpPr>
-        <p:cNvPr id="1" name=""/>
-        <p:cNvGrpSpPr/>
-        <p:nvPr/>
-      </p:nvGrpSpPr>
-      <p:grpSpPr>
-        <a:xfrm>
-          <a:off x="0" y="0"/>
-          <a:ext cx="0" cy="0"/>
-          <a:chOff x="0" y="0"/>
-          <a:chExt cx="0" cy="0"/>
-        </a:xfrm>
-      </p:grpSpPr>
-      <p:sp>
-        <p:nvSpPr>
-          <p:cNvPr id="47" name="Rectangle 26"/>
-          <p:cNvSpPr>
-            <a:spLocks noChangeArrowheads="1"/>
-          </p:cNvSpPr>
-          <p:nvPr/>
-        </p:nvSpPr>
-        <p:spPr bwMode="auto">
-          <a:xfrm>
-            <a:off x="6147240" y="1887472"/>
-            <a:ext cx="138564" cy="276999"/>
-          </a:xfrm>
-          <a:prstGeom prst="rect">
-            <a:avLst/>
-          </a:prstGeom>
-          <a:noFill/>
-          <a:ln>
-            <a:noFill/>
-          </a:ln>
-          <a:effectLst/>
-          <a:extLst>
-            <a:ext uri="{909E8E84-426E-40DD-AFC4-6F175D3DCCD1}">
-              <a14:hiddenFill xmlns:a14="http://schemas.microsoft.com/office/drawing/2010/main">
-                <a:solidFill>
-                  <a:schemeClr val="accent1"/>
-                </a:solidFill>
-              </a14:hiddenFill>
-            </a:ext>
-            <a:ext uri="{91240B29-F687-4F45-9708-019B960494DF}">
-              <a14:hiddenLine xmlns:a14="http://schemas.microsoft.com/office/drawing/2010/main" w="9525">
-                <a:solidFill>
-                  <a:schemeClr val="tx1"/>
-                </a:solidFill>
-                <a:miter lim="800000"/>
-                <a:headEnd/>
-                <a:tailEnd/>
-              </a14:hiddenLine>
-            </a:ext>
-            <a:ext uri="{AF507438-7753-43E0-B8FC-AC1667EBCBE1}">
-              <a14:hiddenEffects xmlns:a14="http://schemas.microsoft.com/office/drawing/2010/main">
-                <a:effectLst>
-                  <a:outerShdw dist="35921" dir="2700000" algn="ctr" rotWithShape="0">
-                    <a:schemeClr val="bg2"/>
-                  </a:outerShdw>
-                </a:effectLst>
-              </a14:hiddenEffects>
-            </a:ext>
-          </a:extLst>
-        </p:spPr>
-        <p:txBody>
-          <a:bodyPr vert="horz" wrap="none" lIns="68580" tIns="34290" rIns="68580" bIns="34290" numCol="1" anchor="ctr" anchorCtr="0" compatLnSpc="1">
-            <a:prstTxWarp prst="textNoShape">
-              <a:avLst/>
-            </a:prstTxWarp>
-            <a:spAutoFit/>
-          </a:bodyPr>
-          <a:lstStyle/>
-          <a:p>
-            <a:endParaRPr lang="en-US" sz="1350"/>
-          </a:p>
-        </p:txBody>
-      </p:sp>
-      <p:sp>
-        <p:nvSpPr>
-          <p:cNvPr id="25" name="TextBox 24">
-            <a:extLst>
-              <a:ext uri="{FF2B5EF4-FFF2-40B4-BE49-F238E27FC236}">
-                <a16:creationId xmlns="" xmlns:a16="http://schemas.microsoft.com/office/drawing/2014/main" id="{A3B76C38-5C63-40EA-9C87-3E38ECF3DF17}"/>
-              </a:ext>
-            </a:extLst>
-          </p:cNvPr>
-          <p:cNvSpPr txBox="1"/>
-          <p:nvPr/>
-        </p:nvSpPr>
-        <p:spPr>
-          <a:xfrm>
-            <a:off x="91291" y="114029"/>
-            <a:ext cx="12111897" cy="6223948"/>
-          </a:xfrm>
-          <a:prstGeom prst="rect">
-            <a:avLst/>
-          </a:prstGeom>
-          <a:noFill/>
-        </p:spPr>
-        <p:txBody>
-          <a:bodyPr wrap="square">
-            <a:spAutoFit/>
-          </a:bodyPr>
-          <a:lstStyle/>
-          <a:p>
-            <a:pPr>
-              <a:lnSpc>
-                <a:spcPct val="110000"/>
-              </a:lnSpc>
-            </a:pPr>
-            <a:r>
-              <a:rPr lang="ru-RU" sz="2800" b="1" dirty="0" smtClean="0">
-                <a:latin typeface="Bookman Old Style" panose="02050604050505020204" pitchFamily="18" charset="0"/>
-              </a:rPr>
-              <a:t>Задача:</a:t>
-            </a:r>
-          </a:p>
-          <a:p>
-            <a:pPr>
-              <a:lnSpc>
-                <a:spcPct val="110000"/>
-              </a:lnSpc>
-            </a:pPr>
-            <a:r>
-              <a:rPr lang="ru-RU" sz="2800" dirty="0" smtClean="0">
-                <a:latin typeface="Bookman Old Style" panose="02050604050505020204" pitchFamily="18" charset="0"/>
-              </a:rPr>
-              <a:t>Вам поручили создать перечень ФИО всех студентов, которые сейчас сидят в большой аудитории, количество человек вы не знаете и решаете добавлять всех подряд когда они будут выходить с пары. </a:t>
-            </a:r>
-          </a:p>
-          <a:p>
-            <a:pPr>
-              <a:lnSpc>
-                <a:spcPct val="110000"/>
-              </a:lnSpc>
-            </a:pPr>
-            <a:endParaRPr lang="ru-RU" sz="2800" dirty="0">
-              <a:latin typeface="Bookman Old Style" panose="02050604050505020204" pitchFamily="18" charset="0"/>
-            </a:endParaRPr>
-          </a:p>
-          <a:p>
-            <a:pPr>
-              <a:lnSpc>
-                <a:spcPct val="110000"/>
-              </a:lnSpc>
-            </a:pPr>
-            <a:r>
-              <a:rPr lang="ru-RU" sz="2800" dirty="0" smtClean="0">
-                <a:latin typeface="Bookman Old Style" panose="02050604050505020204" pitchFamily="18" charset="0"/>
-              </a:rPr>
-              <a:t>Какую коллекцию необходимо использовать для проектирования данной системы? </a:t>
-            </a:r>
-          </a:p>
-          <a:p>
-            <a:pPr>
-              <a:lnSpc>
-                <a:spcPct val="110000"/>
-              </a:lnSpc>
-            </a:pPr>
-            <a:endParaRPr lang="ru-RU" sz="2800" dirty="0" smtClean="0">
-              <a:latin typeface="Bookman Old Style" panose="02050604050505020204" pitchFamily="18" charset="0"/>
-            </a:endParaRPr>
-          </a:p>
-          <a:p>
-            <a:pPr>
-              <a:lnSpc>
-                <a:spcPct val="110000"/>
-              </a:lnSpc>
-            </a:pPr>
-            <a:r>
-              <a:rPr lang="ru-RU" sz="2800" dirty="0" smtClean="0">
-                <a:latin typeface="Bookman Old Style" panose="02050604050505020204" pitchFamily="18" charset="0"/>
-              </a:rPr>
-              <a:t>Примеры данных в коллекции:</a:t>
-            </a:r>
-          </a:p>
-          <a:p>
-            <a:pPr>
-              <a:lnSpc>
-                <a:spcPct val="110000"/>
-              </a:lnSpc>
-            </a:pPr>
-            <a:r>
-              <a:rPr lang="en-US" sz="2800" dirty="0" smtClean="0">
-                <a:latin typeface="Bookman Old Style" panose="02050604050505020204" pitchFamily="18" charset="0"/>
-              </a:rPr>
-              <a:t>“</a:t>
-            </a:r>
-            <a:r>
-              <a:rPr lang="ru-RU" sz="2800" dirty="0" smtClean="0">
-                <a:latin typeface="Bookman Old Style" panose="02050604050505020204" pitchFamily="18" charset="0"/>
-              </a:rPr>
-              <a:t>Иванов Иван Иванович</a:t>
-            </a:r>
-            <a:r>
-              <a:rPr lang="en-US" sz="2800" dirty="0" smtClean="0">
-                <a:latin typeface="Bookman Old Style" panose="02050604050505020204" pitchFamily="18" charset="0"/>
-              </a:rPr>
-              <a:t>”</a:t>
-            </a:r>
-          </a:p>
-          <a:p>
-            <a:pPr>
-              <a:lnSpc>
-                <a:spcPct val="110000"/>
-              </a:lnSpc>
-            </a:pPr>
-            <a:r>
-              <a:rPr lang="en-US" sz="2800" dirty="0" smtClean="0">
-                <a:latin typeface="Bookman Old Style" panose="02050604050505020204" pitchFamily="18" charset="0"/>
-              </a:rPr>
-              <a:t>“</a:t>
-            </a:r>
-            <a:r>
-              <a:rPr lang="ru-RU" sz="2800" dirty="0" smtClean="0">
-                <a:latin typeface="Bookman Old Style" panose="02050604050505020204" pitchFamily="18" charset="0"/>
-              </a:rPr>
-              <a:t>Сидоров Петр Александрович</a:t>
-            </a:r>
-            <a:r>
-              <a:rPr lang="en-US" sz="2800" dirty="0" smtClean="0">
-                <a:latin typeface="Bookman Old Style" panose="02050604050505020204" pitchFamily="18" charset="0"/>
-              </a:rPr>
-              <a:t>”</a:t>
-            </a:r>
-            <a:endParaRPr lang="ru-RU" sz="2800" dirty="0" smtClean="0">
-              <a:latin typeface="Bookman Old Style" panose="02050604050505020204" pitchFamily="18" charset="0"/>
-            </a:endParaRPr>
-          </a:p>
-          <a:p>
-            <a:pPr>
-              <a:lnSpc>
-                <a:spcPct val="110000"/>
-              </a:lnSpc>
-            </a:pPr>
-            <a:r>
-              <a:rPr lang="ru-RU" sz="2800" dirty="0" smtClean="0">
-                <a:latin typeface="Bookman Old Style" panose="02050604050505020204" pitchFamily="18" charset="0"/>
-              </a:rPr>
-              <a:t>…</a:t>
-            </a:r>
-          </a:p>
-        </p:txBody>
-      </p:sp>
-    </p:spTree>
-    <p:extLst>
-      <p:ext uri="{BB962C8B-B14F-4D97-AF65-F5344CB8AC3E}">
-        <p14:creationId xmlns:p14="http://schemas.microsoft.com/office/powerpoint/2010/main" val="3190493226"/>
-      </p:ext>
-    </p:extLst>
-  </p:cSld>
-  <p:clrMapOvr>
-    <a:masterClrMapping/>
-  </p:clrMapOvr>
-  <mc:AlternateContent xmlns:mc="http://schemas.openxmlformats.org/markup-compatibility/2006" xmlns:p14="http://schemas.microsoft.com/office/powerpoint/2010/main">
-    <mc:Choice Requires="p14">
-      <p:transition spd="slow" p14:dur="2000"/>
-    </mc:Choice>
-    <mc:Fallback xmlns="">
-      <p:transition spd="slow"/>
-    </mc:Fallback>
-  </mc:AlternateContent>
-  <p:timing>
-    <p:tnLst>
-      <p:par>
-        <p:cTn id="1" dur="indefinite" restart="never" nodeType="tmRoot"/>
-      </p:par>
-    </p:tnLst>
-  </p:timing>
-</p:sld>
-</file>
-
 <file path=ppt/slides/slide4.xml><?xml version="1.0" encoding="utf-8"?>
 <p:sld xmlns:a="http://schemas.openxmlformats.org/drawingml/2006/main" xmlns:r="http://schemas.openxmlformats.org/officeDocument/2006/relationships" xmlns:p="http://schemas.openxmlformats.org/presentationml/2006/main">
   <p:cSld>
@@ -24363,7 +23540,7 @@
           <p:cNvPr id="17" name="TextBox 16">
             <a:extLst>
               <a:ext uri="{FF2B5EF4-FFF2-40B4-BE49-F238E27FC236}">
-                <a16:creationId xmlns="" xmlns:a16="http://schemas.microsoft.com/office/drawing/2014/main" id="{30597B7C-51FB-4AA2-A3AF-E1497F92AD6B}"/>
+                <a16:creationId xmlns:a16="http://schemas.microsoft.com/office/drawing/2014/main" xmlns="" id="{30597B7C-51FB-4AA2-A3AF-E1497F92AD6B}"/>
               </a:ext>
             </a:extLst>
           </p:cNvPr>
@@ -26313,7 +25490,7 @@
           <p:cNvPr id="16" name="TextBox 15">
             <a:extLst>
               <a:ext uri="{FF2B5EF4-FFF2-40B4-BE49-F238E27FC236}">
-                <a16:creationId xmlns="" xmlns:a16="http://schemas.microsoft.com/office/drawing/2014/main" id="{D80E6905-CAF1-4BFF-97C0-2CE9DCB1DBF3}"/>
+                <a16:creationId xmlns:a16="http://schemas.microsoft.com/office/drawing/2014/main" xmlns="" id="{D80E6905-CAF1-4BFF-97C0-2CE9DCB1DBF3}"/>
               </a:ext>
             </a:extLst>
           </p:cNvPr>
@@ -27079,7 +26256,7 @@
           <p:cNvPr id="25" name="TextBox 24">
             <a:extLst>
               <a:ext uri="{FF2B5EF4-FFF2-40B4-BE49-F238E27FC236}">
-                <a16:creationId xmlns="" xmlns:a16="http://schemas.microsoft.com/office/drawing/2014/main" id="{A3B76C38-5C63-40EA-9C87-3E38ECF3DF17}"/>
+                <a16:creationId xmlns:a16="http://schemas.microsoft.com/office/drawing/2014/main" xmlns="" id="{A3B76C38-5C63-40EA-9C87-3E38ECF3DF17}"/>
               </a:ext>
             </a:extLst>
           </p:cNvPr>
@@ -27381,7 +26558,7 @@
           <p:cNvPr id="9" name="Rectangle 28" descr="Светлый диагональный 2">
             <a:extLst>
               <a:ext uri="{FF2B5EF4-FFF2-40B4-BE49-F238E27FC236}">
-                <a16:creationId xmlns="" xmlns:a16="http://schemas.microsoft.com/office/drawing/2014/main" id="{2A0E99F7-A4CC-4E8F-8C74-D6A03276576B}"/>
+                <a16:creationId xmlns:a16="http://schemas.microsoft.com/office/drawing/2014/main" xmlns="" id="{2A0E99F7-A4CC-4E8F-8C74-D6A03276576B}"/>
               </a:ext>
             </a:extLst>
           </p:cNvPr>
@@ -27558,7 +26735,7 @@
           <p:cNvPr id="25" name="TextBox 24">
             <a:extLst>
               <a:ext uri="{FF2B5EF4-FFF2-40B4-BE49-F238E27FC236}">
-                <a16:creationId xmlns="" xmlns:a16="http://schemas.microsoft.com/office/drawing/2014/main" id="{A3B76C38-5C63-40EA-9C87-3E38ECF3DF17}"/>
+                <a16:creationId xmlns:a16="http://schemas.microsoft.com/office/drawing/2014/main" xmlns="" id="{A3B76C38-5C63-40EA-9C87-3E38ECF3DF17}"/>
               </a:ext>
             </a:extLst>
           </p:cNvPr>

--- a/Лекции/ИТиП лек 3 (лр 3, практическая 2).pptx
+++ b/Лекции/ИТиП лек 3 (лр 3, практическая 2).pptx
@@ -241,7 +241,7 @@
             <a:fld id="{AA2F9473-F066-431E-A6E8-1D478C995A6B}" type="datetimeFigureOut">
               <a:rPr lang="en-US" smtClean="0"/>
               <a:pPr/>
-              <a:t>10/31/2024</a:t>
+              <a:t>3/11/2025</a:t>
             </a:fld>
             <a:endParaRPr lang="en-US"/>
           </a:p>
@@ -3637,7 +3637,7 @@
           <p:cNvPr id="9" name="Номер слайда 3">
             <a:extLst>
               <a:ext uri="{FF2B5EF4-FFF2-40B4-BE49-F238E27FC236}">
-                <a16:creationId xmlns:a16="http://schemas.microsoft.com/office/drawing/2014/main" xmlns="" id="{3DF48714-7FE4-4364-BF9D-28B9C9E2979D}"/>
+                <a16:creationId xmlns:a16="http://schemas.microsoft.com/office/drawing/2014/main" id="{3DF48714-7FE4-4364-BF9D-28B9C9E2979D}"/>
               </a:ext>
             </a:extLst>
           </p:cNvPr>
@@ -3846,7 +3846,7 @@
           <p:cNvPr id="10" name="Номер слайда 3">
             <a:extLst>
               <a:ext uri="{FF2B5EF4-FFF2-40B4-BE49-F238E27FC236}">
-                <a16:creationId xmlns:a16="http://schemas.microsoft.com/office/drawing/2014/main" xmlns="" id="{3DF48714-7FE4-4364-BF9D-28B9C9E2979D}"/>
+                <a16:creationId xmlns:a16="http://schemas.microsoft.com/office/drawing/2014/main" id="{3DF48714-7FE4-4364-BF9D-28B9C9E2979D}"/>
               </a:ext>
             </a:extLst>
           </p:cNvPr>
@@ -4065,7 +4065,7 @@
           <p:cNvPr id="9" name="Номер слайда 3">
             <a:extLst>
               <a:ext uri="{FF2B5EF4-FFF2-40B4-BE49-F238E27FC236}">
-                <a16:creationId xmlns:a16="http://schemas.microsoft.com/office/drawing/2014/main" xmlns="" id="{3DF48714-7FE4-4364-BF9D-28B9C9E2979D}"/>
+                <a16:creationId xmlns:a16="http://schemas.microsoft.com/office/drawing/2014/main" id="{3DF48714-7FE4-4364-BF9D-28B9C9E2979D}"/>
               </a:ext>
             </a:extLst>
           </p:cNvPr>
@@ -4195,7 +4195,7 @@
           <p:cNvPr id="7" name="Номер слайда 3">
             <a:extLst>
               <a:ext uri="{FF2B5EF4-FFF2-40B4-BE49-F238E27FC236}">
-                <a16:creationId xmlns:a16="http://schemas.microsoft.com/office/drawing/2014/main" xmlns="" id="{3DF48714-7FE4-4364-BF9D-28B9C9E2979D}"/>
+                <a16:creationId xmlns:a16="http://schemas.microsoft.com/office/drawing/2014/main" id="{3DF48714-7FE4-4364-BF9D-28B9C9E2979D}"/>
               </a:ext>
             </a:extLst>
           </p:cNvPr>
@@ -4404,7 +4404,7 @@
           <p:cNvPr id="9" name="Номер слайда 3">
             <a:extLst>
               <a:ext uri="{FF2B5EF4-FFF2-40B4-BE49-F238E27FC236}">
-                <a16:creationId xmlns:a16="http://schemas.microsoft.com/office/drawing/2014/main" xmlns="" id="{3DF48714-7FE4-4364-BF9D-28B9C9E2979D}"/>
+                <a16:creationId xmlns:a16="http://schemas.microsoft.com/office/drawing/2014/main" id="{3DF48714-7FE4-4364-BF9D-28B9C9E2979D}"/>
               </a:ext>
             </a:extLst>
           </p:cNvPr>
@@ -4689,7 +4689,7 @@
           <p:cNvPr id="9" name="Номер слайда 3">
             <a:extLst>
               <a:ext uri="{FF2B5EF4-FFF2-40B4-BE49-F238E27FC236}">
-                <a16:creationId xmlns:a16="http://schemas.microsoft.com/office/drawing/2014/main" xmlns="" id="{3DF48714-7FE4-4364-BF9D-28B9C9E2979D}"/>
+                <a16:creationId xmlns:a16="http://schemas.microsoft.com/office/drawing/2014/main" id="{3DF48714-7FE4-4364-BF9D-28B9C9E2979D}"/>
               </a:ext>
             </a:extLst>
           </p:cNvPr>
@@ -4960,7 +4960,7 @@
           <p:cNvPr id="10" name="Номер слайда 3">
             <a:extLst>
               <a:ext uri="{FF2B5EF4-FFF2-40B4-BE49-F238E27FC236}">
-                <a16:creationId xmlns:a16="http://schemas.microsoft.com/office/drawing/2014/main" xmlns="" id="{3DF48714-7FE4-4364-BF9D-28B9C9E2979D}"/>
+                <a16:creationId xmlns:a16="http://schemas.microsoft.com/office/drawing/2014/main" id="{3DF48714-7FE4-4364-BF9D-28B9C9E2979D}"/>
               </a:ext>
             </a:extLst>
           </p:cNvPr>
@@ -5366,7 +5366,7 @@
           <p:cNvPr id="12" name="Номер слайда 3">
             <a:extLst>
               <a:ext uri="{FF2B5EF4-FFF2-40B4-BE49-F238E27FC236}">
-                <a16:creationId xmlns:a16="http://schemas.microsoft.com/office/drawing/2014/main" xmlns="" id="{3DF48714-7FE4-4364-BF9D-28B9C9E2979D}"/>
+                <a16:creationId xmlns:a16="http://schemas.microsoft.com/office/drawing/2014/main" id="{3DF48714-7FE4-4364-BF9D-28B9C9E2979D}"/>
               </a:ext>
             </a:extLst>
           </p:cNvPr>
@@ -5523,7 +5523,7 @@
           <p:cNvPr id="8" name="Номер слайда 3">
             <a:extLst>
               <a:ext uri="{FF2B5EF4-FFF2-40B4-BE49-F238E27FC236}">
-                <a16:creationId xmlns:a16="http://schemas.microsoft.com/office/drawing/2014/main" xmlns="" id="{3DF48714-7FE4-4364-BF9D-28B9C9E2979D}"/>
+                <a16:creationId xmlns:a16="http://schemas.microsoft.com/office/drawing/2014/main" id="{3DF48714-7FE4-4364-BF9D-28B9C9E2979D}"/>
               </a:ext>
             </a:extLst>
           </p:cNvPr>
@@ -5660,7 +5660,7 @@
           <p:cNvPr id="7" name="Номер слайда 3">
             <a:extLst>
               <a:ext uri="{FF2B5EF4-FFF2-40B4-BE49-F238E27FC236}">
-                <a16:creationId xmlns:a16="http://schemas.microsoft.com/office/drawing/2014/main" xmlns="" id="{3DF48714-7FE4-4364-BF9D-28B9C9E2979D}"/>
+                <a16:creationId xmlns:a16="http://schemas.microsoft.com/office/drawing/2014/main" id="{3DF48714-7FE4-4364-BF9D-28B9C9E2979D}"/>
               </a:ext>
             </a:extLst>
           </p:cNvPr>
@@ -5979,7 +5979,7 @@
           <p:cNvPr id="10" name="Номер слайда 3">
             <a:extLst>
               <a:ext uri="{FF2B5EF4-FFF2-40B4-BE49-F238E27FC236}">
-                <a16:creationId xmlns:a16="http://schemas.microsoft.com/office/drawing/2014/main" xmlns="" id="{3DF48714-7FE4-4364-BF9D-28B9C9E2979D}"/>
+                <a16:creationId xmlns:a16="http://schemas.microsoft.com/office/drawing/2014/main" id="{3DF48714-7FE4-4364-BF9D-28B9C9E2979D}"/>
               </a:ext>
             </a:extLst>
           </p:cNvPr>
@@ -6275,7 +6275,7 @@
           <p:cNvPr id="10" name="Номер слайда 3">
             <a:extLst>
               <a:ext uri="{FF2B5EF4-FFF2-40B4-BE49-F238E27FC236}">
-                <a16:creationId xmlns:a16="http://schemas.microsoft.com/office/drawing/2014/main" xmlns="" id="{3DF48714-7FE4-4364-BF9D-28B9C9E2979D}"/>
+                <a16:creationId xmlns:a16="http://schemas.microsoft.com/office/drawing/2014/main" id="{3DF48714-7FE4-4364-BF9D-28B9C9E2979D}"/>
               </a:ext>
             </a:extLst>
           </p:cNvPr>
@@ -6548,7 +6548,7 @@
           <p:cNvPr id="9" name="Номер слайда 3">
             <a:extLst>
               <a:ext uri="{FF2B5EF4-FFF2-40B4-BE49-F238E27FC236}">
-                <a16:creationId xmlns:a16="http://schemas.microsoft.com/office/drawing/2014/main" xmlns="" id="{3DF48714-7FE4-4364-BF9D-28B9C9E2979D}"/>
+                <a16:creationId xmlns:a16="http://schemas.microsoft.com/office/drawing/2014/main" id="{3DF48714-7FE4-4364-BF9D-28B9C9E2979D}"/>
               </a:ext>
             </a:extLst>
           </p:cNvPr>
@@ -7010,7 +7010,7 @@
           <p:cNvPr id="17" name="Заголовок 16">
             <a:extLst>
               <a:ext uri="{FF2B5EF4-FFF2-40B4-BE49-F238E27FC236}">
-                <a16:creationId xmlns:a16="http://schemas.microsoft.com/office/drawing/2014/main" xmlns="" id="{D630362D-1F09-46B4-9DE4-AEA483AC82FD}"/>
+                <a16:creationId xmlns:a16="http://schemas.microsoft.com/office/drawing/2014/main" id="{D630362D-1F09-46B4-9DE4-AEA483AC82FD}"/>
               </a:ext>
             </a:extLst>
           </p:cNvPr>
@@ -7202,7 +7202,7 @@
           <p:cNvPr id="12" name="TextBox 11">
             <a:extLst>
               <a:ext uri="{FF2B5EF4-FFF2-40B4-BE49-F238E27FC236}">
-                <a16:creationId xmlns:a16="http://schemas.microsoft.com/office/drawing/2014/main" xmlns="" id="{F7B00361-5492-4290-B470-295172C16526}"/>
+                <a16:creationId xmlns:a16="http://schemas.microsoft.com/office/drawing/2014/main" id="{F7B00361-5492-4290-B470-295172C16526}"/>
               </a:ext>
             </a:extLst>
           </p:cNvPr>
@@ -7407,7 +7407,7 @@
           <p:cNvPr id="9" name="TextBox 8">
             <a:extLst>
               <a:ext uri="{FF2B5EF4-FFF2-40B4-BE49-F238E27FC236}">
-                <a16:creationId xmlns:a16="http://schemas.microsoft.com/office/drawing/2014/main" xmlns="" id="{99DF0FE0-DB9D-4180-8370-CD26FB46DF57}"/>
+                <a16:creationId xmlns:a16="http://schemas.microsoft.com/office/drawing/2014/main" id="{99DF0FE0-DB9D-4180-8370-CD26FB46DF57}"/>
               </a:ext>
             </a:extLst>
           </p:cNvPr>
@@ -7926,7 +7926,7 @@
           <p:cNvPr id="19" name="TextBox 18">
             <a:extLst>
               <a:ext uri="{FF2B5EF4-FFF2-40B4-BE49-F238E27FC236}">
-                <a16:creationId xmlns:a16="http://schemas.microsoft.com/office/drawing/2014/main" xmlns="" id="{30D2C149-B2EB-4606-9635-BF0DB8DE257D}"/>
+                <a16:creationId xmlns:a16="http://schemas.microsoft.com/office/drawing/2014/main" id="{30D2C149-B2EB-4606-9635-BF0DB8DE257D}"/>
               </a:ext>
             </a:extLst>
           </p:cNvPr>
@@ -8502,7 +8502,7 @@
           <p:cNvPr id="6" name="Прямоугольник 5">
             <a:extLst>
               <a:ext uri="{FF2B5EF4-FFF2-40B4-BE49-F238E27FC236}">
-                <a16:creationId xmlns:a16="http://schemas.microsoft.com/office/drawing/2014/main" xmlns="" id="{D29D7713-F574-4AEF-977E-4D69A26E9D1A}"/>
+                <a16:creationId xmlns:a16="http://schemas.microsoft.com/office/drawing/2014/main" id="{D29D7713-F574-4AEF-977E-4D69A26E9D1A}"/>
               </a:ext>
             </a:extLst>
           </p:cNvPr>
@@ -8588,7 +8588,7 @@
           <p:cNvPr id="8" name="TextBox 7">
             <a:extLst>
               <a:ext uri="{FF2B5EF4-FFF2-40B4-BE49-F238E27FC236}">
-                <a16:creationId xmlns:a16="http://schemas.microsoft.com/office/drawing/2014/main" xmlns="" id="{0E3553D2-4CC5-4AF8-9624-0BE47C1FBA8F}"/>
+                <a16:creationId xmlns:a16="http://schemas.microsoft.com/office/drawing/2014/main" id="{0E3553D2-4CC5-4AF8-9624-0BE47C1FBA8F}"/>
               </a:ext>
             </a:extLst>
           </p:cNvPr>
@@ -8910,7 +8910,7 @@
           <p:cNvPr id="6" name="Прямоугольник 5">
             <a:extLst>
               <a:ext uri="{FF2B5EF4-FFF2-40B4-BE49-F238E27FC236}">
-                <a16:creationId xmlns:a16="http://schemas.microsoft.com/office/drawing/2014/main" xmlns="" id="{D29D7713-F574-4AEF-977E-4D69A26E9D1A}"/>
+                <a16:creationId xmlns:a16="http://schemas.microsoft.com/office/drawing/2014/main" id="{D29D7713-F574-4AEF-977E-4D69A26E9D1A}"/>
               </a:ext>
             </a:extLst>
           </p:cNvPr>
@@ -10154,7 +10154,7 @@
           <p:cNvPr id="6" name="Прямоугольник 5">
             <a:extLst>
               <a:ext uri="{FF2B5EF4-FFF2-40B4-BE49-F238E27FC236}">
-                <a16:creationId xmlns:a16="http://schemas.microsoft.com/office/drawing/2014/main" xmlns="" id="{D29D7713-F574-4AEF-977E-4D69A26E9D1A}"/>
+                <a16:creationId xmlns:a16="http://schemas.microsoft.com/office/drawing/2014/main" id="{D29D7713-F574-4AEF-977E-4D69A26E9D1A}"/>
               </a:ext>
             </a:extLst>
           </p:cNvPr>
@@ -11417,7 +11417,7 @@
           <p:cNvPr id="6" name="Прямоугольник 5">
             <a:extLst>
               <a:ext uri="{FF2B5EF4-FFF2-40B4-BE49-F238E27FC236}">
-                <a16:creationId xmlns:a16="http://schemas.microsoft.com/office/drawing/2014/main" xmlns="" id="{D29D7713-F574-4AEF-977E-4D69A26E9D1A}"/>
+                <a16:creationId xmlns:a16="http://schemas.microsoft.com/office/drawing/2014/main" id="{D29D7713-F574-4AEF-977E-4D69A26E9D1A}"/>
               </a:ext>
             </a:extLst>
           </p:cNvPr>
@@ -12005,7 +12005,7 @@
           <p:cNvPr id="23" name="TextBox 22">
             <a:extLst>
               <a:ext uri="{FF2B5EF4-FFF2-40B4-BE49-F238E27FC236}">
-                <a16:creationId xmlns:a16="http://schemas.microsoft.com/office/drawing/2014/main" xmlns="" id="{99DF0FE0-DB9D-4180-8370-CD26FB46DF57}"/>
+                <a16:creationId xmlns:a16="http://schemas.microsoft.com/office/drawing/2014/main" id="{99DF0FE0-DB9D-4180-8370-CD26FB46DF57}"/>
               </a:ext>
             </a:extLst>
           </p:cNvPr>
@@ -12452,7 +12452,7 @@
           <p:cNvPr id="11" name="Rectangle 28" descr="Светлый диагональный 2">
             <a:extLst>
               <a:ext uri="{FF2B5EF4-FFF2-40B4-BE49-F238E27FC236}">
-                <a16:creationId xmlns:a16="http://schemas.microsoft.com/office/drawing/2014/main" xmlns="" id="{2A0E99F7-A4CC-4E8F-8C74-D6A03276576B}"/>
+                <a16:creationId xmlns:a16="http://schemas.microsoft.com/office/drawing/2014/main" id="{2A0E99F7-A4CC-4E8F-8C74-D6A03276576B}"/>
               </a:ext>
             </a:extLst>
           </p:cNvPr>
@@ -12618,7 +12618,7 @@
           <p:cNvPr id="23" name="TextBox 22">
             <a:extLst>
               <a:ext uri="{FF2B5EF4-FFF2-40B4-BE49-F238E27FC236}">
-                <a16:creationId xmlns:a16="http://schemas.microsoft.com/office/drawing/2014/main" xmlns="" id="{99DF0FE0-DB9D-4180-8370-CD26FB46DF57}"/>
+                <a16:creationId xmlns:a16="http://schemas.microsoft.com/office/drawing/2014/main" id="{99DF0FE0-DB9D-4180-8370-CD26FB46DF57}"/>
               </a:ext>
             </a:extLst>
           </p:cNvPr>
@@ -13148,7 +13148,7 @@
           <p:cNvPr id="23" name="TextBox 22">
             <a:extLst>
               <a:ext uri="{FF2B5EF4-FFF2-40B4-BE49-F238E27FC236}">
-                <a16:creationId xmlns:a16="http://schemas.microsoft.com/office/drawing/2014/main" xmlns="" id="{99DF0FE0-DB9D-4180-8370-CD26FB46DF57}"/>
+                <a16:creationId xmlns:a16="http://schemas.microsoft.com/office/drawing/2014/main" id="{99DF0FE0-DB9D-4180-8370-CD26FB46DF57}"/>
               </a:ext>
             </a:extLst>
           </p:cNvPr>
@@ -14094,7 +14094,7 @@
           <p:cNvPr id="23" name="TextBox 22">
             <a:extLst>
               <a:ext uri="{FF2B5EF4-FFF2-40B4-BE49-F238E27FC236}">
-                <a16:creationId xmlns:a16="http://schemas.microsoft.com/office/drawing/2014/main" xmlns="" id="{99DF0FE0-DB9D-4180-8370-CD26FB46DF57}"/>
+                <a16:creationId xmlns:a16="http://schemas.microsoft.com/office/drawing/2014/main" id="{99DF0FE0-DB9D-4180-8370-CD26FB46DF57}"/>
               </a:ext>
             </a:extLst>
           </p:cNvPr>
@@ -15370,7 +15370,7 @@
           <p:cNvPr id="23" name="TextBox 22">
             <a:extLst>
               <a:ext uri="{FF2B5EF4-FFF2-40B4-BE49-F238E27FC236}">
-                <a16:creationId xmlns:a16="http://schemas.microsoft.com/office/drawing/2014/main" xmlns="" id="{99DF0FE0-DB9D-4180-8370-CD26FB46DF57}"/>
+                <a16:creationId xmlns:a16="http://schemas.microsoft.com/office/drawing/2014/main" id="{99DF0FE0-DB9D-4180-8370-CD26FB46DF57}"/>
               </a:ext>
             </a:extLst>
           </p:cNvPr>
@@ -15994,7 +15994,7 @@
           <p:cNvPr id="23" name="TextBox 22">
             <a:extLst>
               <a:ext uri="{FF2B5EF4-FFF2-40B4-BE49-F238E27FC236}">
-                <a16:creationId xmlns:a16="http://schemas.microsoft.com/office/drawing/2014/main" xmlns="" id="{99DF0FE0-DB9D-4180-8370-CD26FB46DF57}"/>
+                <a16:creationId xmlns:a16="http://schemas.microsoft.com/office/drawing/2014/main" id="{99DF0FE0-DB9D-4180-8370-CD26FB46DF57}"/>
               </a:ext>
             </a:extLst>
           </p:cNvPr>
@@ -16527,7 +16527,7 @@
           <p:cNvPr id="23" name="TextBox 22">
             <a:extLst>
               <a:ext uri="{FF2B5EF4-FFF2-40B4-BE49-F238E27FC236}">
-                <a16:creationId xmlns:a16="http://schemas.microsoft.com/office/drawing/2014/main" xmlns="" id="{99DF0FE0-DB9D-4180-8370-CD26FB46DF57}"/>
+                <a16:creationId xmlns:a16="http://schemas.microsoft.com/office/drawing/2014/main" id="{99DF0FE0-DB9D-4180-8370-CD26FB46DF57}"/>
               </a:ext>
             </a:extLst>
           </p:cNvPr>
@@ -17031,7 +17031,7 @@
           <p:cNvPr id="23" name="TextBox 22">
             <a:extLst>
               <a:ext uri="{FF2B5EF4-FFF2-40B4-BE49-F238E27FC236}">
-                <a16:creationId xmlns:a16="http://schemas.microsoft.com/office/drawing/2014/main" xmlns="" id="{99DF0FE0-DB9D-4180-8370-CD26FB46DF57}"/>
+                <a16:creationId xmlns:a16="http://schemas.microsoft.com/office/drawing/2014/main" id="{99DF0FE0-DB9D-4180-8370-CD26FB46DF57}"/>
               </a:ext>
             </a:extLst>
           </p:cNvPr>
@@ -17612,7 +17612,7 @@
           <p:cNvPr id="23" name="TextBox 22">
             <a:extLst>
               <a:ext uri="{FF2B5EF4-FFF2-40B4-BE49-F238E27FC236}">
-                <a16:creationId xmlns:a16="http://schemas.microsoft.com/office/drawing/2014/main" xmlns="" id="{99DF0FE0-DB9D-4180-8370-CD26FB46DF57}"/>
+                <a16:creationId xmlns:a16="http://schemas.microsoft.com/office/drawing/2014/main" id="{99DF0FE0-DB9D-4180-8370-CD26FB46DF57}"/>
               </a:ext>
             </a:extLst>
           </p:cNvPr>
@@ -18111,7 +18111,7 @@
           <p:cNvPr id="23" name="TextBox 22">
             <a:extLst>
               <a:ext uri="{FF2B5EF4-FFF2-40B4-BE49-F238E27FC236}">
-                <a16:creationId xmlns:a16="http://schemas.microsoft.com/office/drawing/2014/main" xmlns="" id="{99DF0FE0-DB9D-4180-8370-CD26FB46DF57}"/>
+                <a16:creationId xmlns:a16="http://schemas.microsoft.com/office/drawing/2014/main" id="{99DF0FE0-DB9D-4180-8370-CD26FB46DF57}"/>
               </a:ext>
             </a:extLst>
           </p:cNvPr>
@@ -18529,7 +18529,7 @@
           <p:cNvPr id="23" name="TextBox 22">
             <a:extLst>
               <a:ext uri="{FF2B5EF4-FFF2-40B4-BE49-F238E27FC236}">
-                <a16:creationId xmlns:a16="http://schemas.microsoft.com/office/drawing/2014/main" xmlns="" id="{99DF0FE0-DB9D-4180-8370-CD26FB46DF57}"/>
+                <a16:creationId xmlns:a16="http://schemas.microsoft.com/office/drawing/2014/main" id="{99DF0FE0-DB9D-4180-8370-CD26FB46DF57}"/>
               </a:ext>
             </a:extLst>
           </p:cNvPr>
@@ -19111,7 +19111,7 @@
           <p:cNvPr id="23" name="TextBox 22">
             <a:extLst>
               <a:ext uri="{FF2B5EF4-FFF2-40B4-BE49-F238E27FC236}">
-                <a16:creationId xmlns:a16="http://schemas.microsoft.com/office/drawing/2014/main" xmlns="" id="{99DF0FE0-DB9D-4180-8370-CD26FB46DF57}"/>
+                <a16:creationId xmlns:a16="http://schemas.microsoft.com/office/drawing/2014/main" id="{99DF0FE0-DB9D-4180-8370-CD26FB46DF57}"/>
               </a:ext>
             </a:extLst>
           </p:cNvPr>
@@ -19665,7 +19665,7 @@
           <p:cNvPr id="23" name="TextBox 22">
             <a:extLst>
               <a:ext uri="{FF2B5EF4-FFF2-40B4-BE49-F238E27FC236}">
-                <a16:creationId xmlns:a16="http://schemas.microsoft.com/office/drawing/2014/main" xmlns="" id="{99DF0FE0-DB9D-4180-8370-CD26FB46DF57}"/>
+                <a16:creationId xmlns:a16="http://schemas.microsoft.com/office/drawing/2014/main" id="{99DF0FE0-DB9D-4180-8370-CD26FB46DF57}"/>
               </a:ext>
             </a:extLst>
           </p:cNvPr>
@@ -20513,7 +20513,7 @@
           <p:cNvPr id="17" name="TextBox 16">
             <a:extLst>
               <a:ext uri="{FF2B5EF4-FFF2-40B4-BE49-F238E27FC236}">
-                <a16:creationId xmlns:a16="http://schemas.microsoft.com/office/drawing/2014/main" xmlns="" id="{30597B7C-51FB-4AA2-A3AF-E1497F92AD6B}"/>
+                <a16:creationId xmlns:a16="http://schemas.microsoft.com/office/drawing/2014/main" id="{30597B7C-51FB-4AA2-A3AF-E1497F92AD6B}"/>
               </a:ext>
             </a:extLst>
           </p:cNvPr>
@@ -21071,7 +21071,7 @@
           <p:cNvPr id="20" name="Прямоугольник 19">
             <a:extLst>
               <a:ext uri="{FF2B5EF4-FFF2-40B4-BE49-F238E27FC236}">
-                <a16:creationId xmlns:a16="http://schemas.microsoft.com/office/drawing/2014/main" xmlns="" id="{94853BEC-DBEC-49F1-86BC-81D6BA3F55BD}"/>
+                <a16:creationId xmlns:a16="http://schemas.microsoft.com/office/drawing/2014/main" id="{94853BEC-DBEC-49F1-86BC-81D6BA3F55BD}"/>
               </a:ext>
             </a:extLst>
           </p:cNvPr>
@@ -21124,7 +21124,7 @@
           <p:cNvPr id="21" name="Прямая со стрелкой 20">
             <a:extLst>
               <a:ext uri="{FF2B5EF4-FFF2-40B4-BE49-F238E27FC236}">
-                <a16:creationId xmlns:a16="http://schemas.microsoft.com/office/drawing/2014/main" xmlns="" id="{C719D22E-7A81-42F0-A31E-BC4E43FF9253}"/>
+                <a16:creationId xmlns:a16="http://schemas.microsoft.com/office/drawing/2014/main" id="{C719D22E-7A81-42F0-A31E-BC4E43FF9253}"/>
               </a:ext>
             </a:extLst>
           </p:cNvPr>
@@ -21166,7 +21166,7 @@
           <p:cNvPr id="35" name="Прямоугольник 34">
             <a:extLst>
               <a:ext uri="{FF2B5EF4-FFF2-40B4-BE49-F238E27FC236}">
-                <a16:creationId xmlns:a16="http://schemas.microsoft.com/office/drawing/2014/main" xmlns="" id="{70299FCB-7EC9-4EB9-9D4F-847872EAEBD1}"/>
+                <a16:creationId xmlns:a16="http://schemas.microsoft.com/office/drawing/2014/main" id="{70299FCB-7EC9-4EB9-9D4F-847872EAEBD1}"/>
               </a:ext>
             </a:extLst>
           </p:cNvPr>
@@ -21219,7 +21219,7 @@
           <p:cNvPr id="36" name="Прямая со стрелкой 35">
             <a:extLst>
               <a:ext uri="{FF2B5EF4-FFF2-40B4-BE49-F238E27FC236}">
-                <a16:creationId xmlns:a16="http://schemas.microsoft.com/office/drawing/2014/main" xmlns="" id="{C58D3AAA-D45D-4095-9446-BD0496223807}"/>
+                <a16:creationId xmlns:a16="http://schemas.microsoft.com/office/drawing/2014/main" id="{C58D3AAA-D45D-4095-9446-BD0496223807}"/>
               </a:ext>
             </a:extLst>
           </p:cNvPr>
@@ -21261,7 +21261,7 @@
           <p:cNvPr id="40" name="Прямоугольник 39">
             <a:extLst>
               <a:ext uri="{FF2B5EF4-FFF2-40B4-BE49-F238E27FC236}">
-                <a16:creationId xmlns:a16="http://schemas.microsoft.com/office/drawing/2014/main" xmlns="" id="{4A717210-C833-4149-AE10-144F56CC20E7}"/>
+                <a16:creationId xmlns:a16="http://schemas.microsoft.com/office/drawing/2014/main" id="{4A717210-C833-4149-AE10-144F56CC20E7}"/>
               </a:ext>
             </a:extLst>
           </p:cNvPr>
@@ -21314,7 +21314,7 @@
           <p:cNvPr id="41" name="Прямая со стрелкой 40">
             <a:extLst>
               <a:ext uri="{FF2B5EF4-FFF2-40B4-BE49-F238E27FC236}">
-                <a16:creationId xmlns:a16="http://schemas.microsoft.com/office/drawing/2014/main" xmlns="" id="{18840542-311F-4828-BFBA-17E4959592FD}"/>
+                <a16:creationId xmlns:a16="http://schemas.microsoft.com/office/drawing/2014/main" id="{18840542-311F-4828-BFBA-17E4959592FD}"/>
               </a:ext>
             </a:extLst>
           </p:cNvPr>
@@ -21356,7 +21356,7 @@
           <p:cNvPr id="46" name="Прямоугольник 45">
             <a:extLst>
               <a:ext uri="{FF2B5EF4-FFF2-40B4-BE49-F238E27FC236}">
-                <a16:creationId xmlns:a16="http://schemas.microsoft.com/office/drawing/2014/main" xmlns="" id="{C09C2093-30C3-4A2B-9926-03B6C3042F3E}"/>
+                <a16:creationId xmlns:a16="http://schemas.microsoft.com/office/drawing/2014/main" id="{C09C2093-30C3-4A2B-9926-03B6C3042F3E}"/>
               </a:ext>
             </a:extLst>
           </p:cNvPr>
@@ -21409,7 +21409,7 @@
           <p:cNvPr id="48" name="Прямая со стрелкой 47">
             <a:extLst>
               <a:ext uri="{FF2B5EF4-FFF2-40B4-BE49-F238E27FC236}">
-                <a16:creationId xmlns:a16="http://schemas.microsoft.com/office/drawing/2014/main" xmlns="" id="{E29F1145-900A-45A0-9606-7F525626C089}"/>
+                <a16:creationId xmlns:a16="http://schemas.microsoft.com/office/drawing/2014/main" id="{E29F1145-900A-45A0-9606-7F525626C089}"/>
               </a:ext>
             </a:extLst>
           </p:cNvPr>
@@ -21451,7 +21451,7 @@
           <p:cNvPr id="50" name="Прямоугольник 49">
             <a:extLst>
               <a:ext uri="{FF2B5EF4-FFF2-40B4-BE49-F238E27FC236}">
-                <a16:creationId xmlns:a16="http://schemas.microsoft.com/office/drawing/2014/main" xmlns="" id="{7CFF1EF1-6FD9-4AAA-AFE1-154D0322FD43}"/>
+                <a16:creationId xmlns:a16="http://schemas.microsoft.com/office/drawing/2014/main" id="{7CFF1EF1-6FD9-4AAA-AFE1-154D0322FD43}"/>
               </a:ext>
             </a:extLst>
           </p:cNvPr>
@@ -22589,7 +22589,7 @@
         </p:blipFill>
         <p:spPr>
           <a:xfrm>
-            <a:off x="2480441" y="3571146"/>
+            <a:off x="2493888" y="3785652"/>
             <a:ext cx="6867616" cy="1179530"/>
           </a:xfrm>
           <a:prstGeom prst="rect">
@@ -23540,7 +23540,7 @@
           <p:cNvPr id="17" name="TextBox 16">
             <a:extLst>
               <a:ext uri="{FF2B5EF4-FFF2-40B4-BE49-F238E27FC236}">
-                <a16:creationId xmlns:a16="http://schemas.microsoft.com/office/drawing/2014/main" xmlns="" id="{30597B7C-51FB-4AA2-A3AF-E1497F92AD6B}"/>
+                <a16:creationId xmlns:a16="http://schemas.microsoft.com/office/drawing/2014/main" id="{30597B7C-51FB-4AA2-A3AF-E1497F92AD6B}"/>
               </a:ext>
             </a:extLst>
           </p:cNvPr>
@@ -25490,7 +25490,7 @@
           <p:cNvPr id="16" name="TextBox 15">
             <a:extLst>
               <a:ext uri="{FF2B5EF4-FFF2-40B4-BE49-F238E27FC236}">
-                <a16:creationId xmlns:a16="http://schemas.microsoft.com/office/drawing/2014/main" xmlns="" id="{D80E6905-CAF1-4BFF-97C0-2CE9DCB1DBF3}"/>
+                <a16:creationId xmlns:a16="http://schemas.microsoft.com/office/drawing/2014/main" id="{D80E6905-CAF1-4BFF-97C0-2CE9DCB1DBF3}"/>
               </a:ext>
             </a:extLst>
           </p:cNvPr>
@@ -26256,7 +26256,7 @@
           <p:cNvPr id="25" name="TextBox 24">
             <a:extLst>
               <a:ext uri="{FF2B5EF4-FFF2-40B4-BE49-F238E27FC236}">
-                <a16:creationId xmlns:a16="http://schemas.microsoft.com/office/drawing/2014/main" xmlns="" id="{A3B76C38-5C63-40EA-9C87-3E38ECF3DF17}"/>
+                <a16:creationId xmlns:a16="http://schemas.microsoft.com/office/drawing/2014/main" id="{A3B76C38-5C63-40EA-9C87-3E38ECF3DF17}"/>
               </a:ext>
             </a:extLst>
           </p:cNvPr>
@@ -26558,7 +26558,7 @@
           <p:cNvPr id="9" name="Rectangle 28" descr="Светлый диагональный 2">
             <a:extLst>
               <a:ext uri="{FF2B5EF4-FFF2-40B4-BE49-F238E27FC236}">
-                <a16:creationId xmlns:a16="http://schemas.microsoft.com/office/drawing/2014/main" xmlns="" id="{2A0E99F7-A4CC-4E8F-8C74-D6A03276576B}"/>
+                <a16:creationId xmlns:a16="http://schemas.microsoft.com/office/drawing/2014/main" id="{2A0E99F7-A4CC-4E8F-8C74-D6A03276576B}"/>
               </a:ext>
             </a:extLst>
           </p:cNvPr>
@@ -26735,7 +26735,7 @@
           <p:cNvPr id="25" name="TextBox 24">
             <a:extLst>
               <a:ext uri="{FF2B5EF4-FFF2-40B4-BE49-F238E27FC236}">
-                <a16:creationId xmlns:a16="http://schemas.microsoft.com/office/drawing/2014/main" xmlns="" id="{A3B76C38-5C63-40EA-9C87-3E38ECF3DF17}"/>
+                <a16:creationId xmlns:a16="http://schemas.microsoft.com/office/drawing/2014/main" id="{A3B76C38-5C63-40EA-9C87-3E38ECF3DF17}"/>
               </a:ext>
             </a:extLst>
           </p:cNvPr>

--- a/Лекции/ИТиП лек 3 (лр 3, практическая 2).pptx
+++ b/Лекции/ИТиП лек 3 (лр 3, практическая 2).pptx
@@ -241,7 +241,7 @@
             <a:fld id="{AA2F9473-F066-431E-A6E8-1D478C995A6B}" type="datetimeFigureOut">
               <a:rPr lang="en-US" smtClean="0"/>
               <a:pPr/>
-              <a:t>3/11/2025</a:t>
+              <a:t>3/29/2025</a:t>
             </a:fld>
             <a:endParaRPr lang="en-US"/>
           </a:p>
@@ -7417,7 +7417,7 @@
         <p:spPr>
           <a:xfrm>
             <a:off x="156527" y="191970"/>
-            <a:ext cx="11578273" cy="6370975"/>
+            <a:ext cx="11578273" cy="6555641"/>
           </a:xfrm>
           <a:prstGeom prst="rect">
             <a:avLst/>
@@ -7633,7 +7633,7 @@
           <a:p>
             <a:pPr algn="just"/>
             <a:r>
-              <a:rPr lang="ru-RU" sz="2400" dirty="0">
+              <a:rPr lang="ru-RU" sz="2400" dirty="0" smtClean="0">
                 <a:solidFill>
                   <a:srgbClr val="000000"/>
                 </a:solidFill>
@@ -7649,16 +7649,11 @@
             </a:endParaRPr>
           </a:p>
           <a:p>
-            <a:pPr algn="just"/>
-            <a:endParaRPr lang="en-US" sz="2400" dirty="0">
-              <a:solidFill>
-                <a:srgbClr val="000000"/>
-              </a:solidFill>
-              <a:latin typeface="Cascadia Mono" panose="020B0609020000020004" pitchFamily="49" charset="0"/>
-            </a:endParaRPr>
-          </a:p>
-          <a:p>
-            <a:pPr algn="just"/>
+            <a:pPr algn="just">
+              <a:lnSpc>
+                <a:spcPct val="150000"/>
+              </a:lnSpc>
+            </a:pPr>
             <a:r>
               <a:rPr lang="ru-RU" sz="2400" b="1" dirty="0">
                 <a:latin typeface="Bookman Old Style" panose="02050604050505020204" pitchFamily="18" charset="0"/>
@@ -7669,22 +7664,53 @@
               <a:rPr lang="ru-RU" sz="2400" dirty="0">
                 <a:latin typeface="Bookman Old Style" panose="02050604050505020204" pitchFamily="18" charset="0"/>
               </a:rPr>
-              <a:t> натурального числа n определяется как произведение всех натуральных чисел от 1 до n включительно.</a:t>
-            </a:r>
-          </a:p>
-          <a:p>
-            <a:pPr algn="just"/>
+              <a:t> натурального числа n определяется как произведение всех натуральных чисел от 1 до n включительно</a:t>
+            </a:r>
+            <a:r>
+              <a:rPr lang="ru-RU" sz="2400" dirty="0" smtClean="0">
+                <a:latin typeface="Bookman Old Style" panose="02050604050505020204" pitchFamily="18" charset="0"/>
+              </a:rPr>
+              <a:t>.</a:t>
+            </a:r>
             <a:endParaRPr lang="ru-RU" sz="2400" dirty="0">
               <a:latin typeface="Bookman Old Style" panose="02050604050505020204" pitchFamily="18" charset="0"/>
             </a:endParaRPr>
           </a:p>
           <a:p>
-            <a:pPr algn="just"/>
+            <a:pPr algn="just">
+              <a:lnSpc>
+                <a:spcPct val="150000"/>
+              </a:lnSpc>
+            </a:pPr>
+            <a:r>
+              <a:rPr lang="ru-RU" sz="2400" i="1" dirty="0" smtClean="0">
+                <a:latin typeface="Bookman Old Style" panose="02050604050505020204" pitchFamily="18" charset="0"/>
+              </a:rPr>
+              <a:t>Замечание: </a:t>
+            </a:r>
+            <a:r>
+              <a:rPr lang="ru-RU" sz="2400" dirty="0" smtClean="0">
+                <a:latin typeface="Bookman Old Style" panose="02050604050505020204" pitchFamily="18" charset="0"/>
+              </a:rPr>
+              <a:t>Любой </a:t>
+            </a:r>
             <a:r>
               <a:rPr lang="ru-RU" sz="2400" dirty="0">
                 <a:latin typeface="Bookman Old Style" panose="02050604050505020204" pitchFamily="18" charset="0"/>
               </a:rPr>
-              <a:t>Любой рекурсивный алгоритм можно переделать в не рекурсивный, например, с помощью бесконечных циклов или специальных коллекций данных.</a:t>
+              <a:t>рекурсивный алгоритм можно переделать в не рекурсивный, например, с помощью </a:t>
+            </a:r>
+            <a:r>
+              <a:rPr lang="ru-RU" sz="2400" dirty="0" smtClean="0">
+                <a:latin typeface="Bookman Old Style" panose="02050604050505020204" pitchFamily="18" charset="0"/>
+              </a:rPr>
+              <a:t>бесконечного цикла </a:t>
+            </a:r>
+            <a:r>
+              <a:rPr lang="ru-RU" sz="2400" dirty="0">
+                <a:latin typeface="Bookman Old Style" panose="02050604050505020204" pitchFamily="18" charset="0"/>
+              </a:rPr>
+              <a:t>или специальных коллекций данных.</a:t>
             </a:r>
           </a:p>
         </p:txBody>
@@ -14103,8 +14129,8 @@
         </p:nvSpPr>
         <p:spPr>
           <a:xfrm>
-            <a:off x="0" y="0"/>
-            <a:ext cx="12192000" cy="5632311"/>
+            <a:off x="235974" y="0"/>
+            <a:ext cx="11739716" cy="6555641"/>
           </a:xfrm>
           <a:prstGeom prst="rect">
             <a:avLst/>
@@ -14117,6 +14143,11 @@
           </a:bodyPr>
           <a:lstStyle/>
           <a:p>
+            <a:pPr algn="just">
+              <a:lnSpc>
+                <a:spcPct val="150000"/>
+              </a:lnSpc>
+            </a:pPr>
             <a:r>
               <a:rPr lang="ru-RU" sz="2400" b="1" dirty="0">
                 <a:latin typeface="Bookman Old Style" panose="02050604050505020204" pitchFamily="18" charset="0"/>
@@ -14143,6 +14174,11 @@
             </a:r>
           </a:p>
           <a:p>
+            <a:pPr algn="just">
+              <a:lnSpc>
+                <a:spcPct val="150000"/>
+              </a:lnSpc>
+            </a:pPr>
             <a:r>
               <a:rPr lang="ru-RU" sz="2400" dirty="0">
                 <a:latin typeface="Bookman Old Style" panose="02050604050505020204" pitchFamily="18" charset="0"/>
@@ -14582,6 +14618,11 @@
             </a:endParaRPr>
           </a:p>
           <a:p>
+            <a:pPr algn="just">
+              <a:lnSpc>
+                <a:spcPct val="150000"/>
+              </a:lnSpc>
+            </a:pPr>
             <a:r>
               <a:rPr lang="ru-RU" sz="2400" dirty="0">
                 <a:latin typeface="Bookman Old Style" panose="02050604050505020204" pitchFamily="18" charset="0"/>
@@ -21488,6 +21529,7 @@
           <a:bodyPr rtlCol="0" anchor="ctr"/>
           <a:lstStyle/>
           <a:p>
+            <a:pPr algn="just"/>
             <a:r>
               <a:rPr lang="en-US" sz="2400" b="1" dirty="0">
                 <a:latin typeface="Bookman Old Style" panose="02050604050505020204" pitchFamily="18" charset="0"/>
@@ -21523,6 +21565,7 @@
             </a:endParaRPr>
           </a:p>
           <a:p>
+            <a:pPr algn="just"/>
             <a:r>
               <a:rPr lang="en-US" sz="2400" b="1" dirty="0">
                 <a:latin typeface="Bookman Old Style" panose="02050604050505020204" pitchFamily="18" charset="0"/>
@@ -24108,8 +24151,8 @@
         </p:nvSpPr>
         <p:spPr>
           <a:xfrm>
-            <a:off x="0" y="0"/>
-            <a:ext cx="12192000" cy="6931128"/>
+            <a:off x="213852" y="0"/>
+            <a:ext cx="11739716" cy="7485126"/>
           </a:xfrm>
           <a:prstGeom prst="rect">
             <a:avLst/>
@@ -24713,8 +24756,8 @@
         </p:nvSpPr>
         <p:spPr>
           <a:xfrm>
-            <a:off x="0" y="0"/>
-            <a:ext cx="12192000" cy="6740307"/>
+            <a:off x="287594" y="0"/>
+            <a:ext cx="11710219" cy="6740307"/>
           </a:xfrm>
           <a:prstGeom prst="rect">
             <a:avLst/>
@@ -24726,7 +24769,11 @@
           </a:bodyPr>
           <a:lstStyle/>
           <a:p>
-            <a:pPr algn="just"/>
+            <a:pPr algn="just">
+              <a:lnSpc>
+                <a:spcPct val="150000"/>
+              </a:lnSpc>
+            </a:pPr>
             <a:r>
               <a:rPr lang="ru-RU" sz="2400" b="1" dirty="0" smtClean="0">
                 <a:latin typeface="Bookman Old Style" panose="02050604050505020204" pitchFamily="18" charset="0"/>
@@ -24736,7 +24783,11 @@
             </a:r>
           </a:p>
           <a:p>
-            <a:pPr algn="just"/>
+            <a:pPr algn="just">
+              <a:lnSpc>
+                <a:spcPct val="150000"/>
+              </a:lnSpc>
+            </a:pPr>
             <a:r>
               <a:rPr lang="ru-RU" sz="2400" dirty="0" smtClean="0">
                 <a:solidFill>
@@ -24744,17 +24795,17 @@
                 </a:solidFill>
                 <a:latin typeface="Bookman Old Style" panose="02050604050505020204" pitchFamily="18" charset="0"/>
               </a:rPr>
-              <a:t>Если в дублированном коде будут ошибки, то искать и исправлять их придется везде, куда скопирован код. Поэтому повторяющийся код обязательно выносится в методы, например:</a:t>
-            </a:r>
-            <a:endParaRPr lang="en-US" sz="2400" dirty="0" smtClean="0">
-              <a:solidFill>
-                <a:srgbClr val="000000"/>
-              </a:solidFill>
-              <a:latin typeface="Bookman Old Style" panose="02050604050505020204" pitchFamily="18" charset="0"/>
-            </a:endParaRPr>
-          </a:p>
-          <a:p>
-            <a:pPr algn="just"/>
+              <a:t>Если в дублированном коде будут ошибки, то искать и исправлять их придется везде, куда скопирован код. Поэтому повторяющийся код обязательно выносится в методы, например</a:t>
+            </a:r>
+            <a:r>
+              <a:rPr lang="ru-RU" sz="2400" dirty="0" smtClean="0">
+                <a:solidFill>
+                  <a:srgbClr val="000000"/>
+                </a:solidFill>
+                <a:latin typeface="Bookman Old Style" panose="02050604050505020204" pitchFamily="18" charset="0"/>
+              </a:rPr>
+              <a:t>:</a:t>
+            </a:r>
             <a:endParaRPr lang="en-US" sz="2400" dirty="0" smtClean="0">
               <a:solidFill>
                 <a:srgbClr val="000000"/>
@@ -25333,8 +25384,6 @@
               </a:rPr>
               <a:t>};</a:t>
             </a:r>
-          </a:p>
-          <a:p>
             <a:r>
               <a:rPr lang="en-US" sz="2400" dirty="0">
                 <a:solidFill>
@@ -25353,7 +25402,7 @@
               </a:rPr>
             </a:br>
             <a:r>
-              <a:rPr lang="en-US" sz="2400" dirty="0" err="1">
+              <a:rPr lang="en-US" sz="2400" dirty="0" err="1" smtClean="0">
                 <a:solidFill>
                   <a:srgbClr val="000000"/>
                 </a:solidFill>
@@ -25362,7 +25411,7 @@
               <a:t>Console.WriteLine</a:t>
             </a:r>
             <a:r>
-              <a:rPr lang="en-US" sz="2400" dirty="0">
+              <a:rPr lang="en-US" sz="2400" dirty="0" smtClean="0">
                 <a:solidFill>
                   <a:srgbClr val="000000"/>
                 </a:solidFill>
@@ -25371,7 +25420,7 @@
               <a:t>(</a:t>
             </a:r>
             <a:r>
-              <a:rPr lang="en-US" sz="2400" dirty="0" err="1">
+              <a:rPr lang="en-US" sz="2400" dirty="0" err="1" smtClean="0">
                 <a:solidFill>
                   <a:srgbClr val="000000"/>
                 </a:solidFill>
@@ -25380,7 +25429,7 @@
               <a:t>GetAverage</a:t>
             </a:r>
             <a:r>
-              <a:rPr lang="en-US" sz="2400" dirty="0">
+              <a:rPr lang="en-US" sz="2400" dirty="0" smtClean="0">
                 <a:solidFill>
                   <a:srgbClr val="000000"/>
                 </a:solidFill>
